--- a/Java_Basics.pptx
+++ b/Java_Basics.pptx
@@ -4,16 +4,20 @@
   <p:sldMasterIdLst>
     <p:sldMasterId id="2147483648" r:id="rId1"/>
   </p:sldMasterIdLst>
+  <p:notesMasterIdLst>
+    <p:notesMasterId r:id="rId8"/>
+  </p:notesMasterIdLst>
   <p:sldIdLst>
     <p:sldId id="256" r:id="rId3"/>
     <p:sldId id="263" r:id="rId4"/>
     <p:sldId id="264" r:id="rId5"/>
     <p:sldId id="257" r:id="rId6"/>
-    <p:sldId id="258" r:id="rId7"/>
-    <p:sldId id="259" r:id="rId8"/>
-    <p:sldId id="260" r:id="rId9"/>
-    <p:sldId id="261" r:id="rId10"/>
-    <p:sldId id="262" r:id="rId11"/>
+    <p:sldId id="271" r:id="rId7"/>
+    <p:sldId id="258" r:id="rId9"/>
+    <p:sldId id="259" r:id="rId10"/>
+    <p:sldId id="260" r:id="rId11"/>
+    <p:sldId id="261" r:id="rId12"/>
+    <p:sldId id="262" r:id="rId13"/>
   </p:sldIdLst>
   <p:sldSz cx="12192000" cy="6858000"/>
   <p:notesSz cx="6858000" cy="9144000"/>
@@ -113,6 +117,397 @@
     </a:lvl9pPr>
   </p:defaultTextStyle>
 </p:presentation>
+</file>
+
+<file path=ppt/notesMasters/notesMaster1.xml><?xml version="1.0" encoding="utf-8"?>
+<p:notesMaster xmlns:a="http://schemas.openxmlformats.org/drawingml/2006/main" xmlns:r="http://schemas.openxmlformats.org/officeDocument/2006/relationships" xmlns:p="http://schemas.openxmlformats.org/presentationml/2006/main">
+  <p:cSld>
+    <p:bg>
+      <p:bgRef idx="1001">
+        <a:schemeClr val="bg1"/>
+      </p:bgRef>
+    </p:bg>
+    <p:spTree>
+      <p:nvGrpSpPr>
+        <p:cNvPr id="1" name=""/>
+        <p:cNvGrpSpPr/>
+        <p:nvPr/>
+      </p:nvGrpSpPr>
+      <p:grpSpPr>
+        <a:xfrm>
+          <a:off x="0" y="0"/>
+          <a:ext cx="0" cy="0"/>
+          <a:chOff x="0" y="0"/>
+          <a:chExt cx="0" cy="0"/>
+        </a:xfrm>
+      </p:grpSpPr>
+      <p:sp>
+        <p:nvSpPr>
+          <p:cNvPr id="2" name="Header Placeholder 1"/>
+          <p:cNvSpPr>
+            <a:spLocks noGrp="1"/>
+          </p:cNvSpPr>
+          <p:nvPr>
+            <p:ph type="hdr" sz="quarter"/>
+          </p:nvPr>
+        </p:nvSpPr>
+        <p:spPr>
+          <a:xfrm>
+            <a:off x="0" y="0"/>
+            <a:ext cx="2971800" cy="458788"/>
+          </a:xfrm>
+          <a:prstGeom prst="rect">
+            <a:avLst/>
+          </a:prstGeom>
+        </p:spPr>
+        <p:txBody>
+          <a:bodyPr vert="horz" lIns="91440" tIns="45720" rIns="91440" bIns="45720" rtlCol="0"/>
+          <a:lstStyle>
+            <a:lvl1pPr algn="l">
+              <a:defRPr sz="1200"/>
+            </a:lvl1pPr>
+          </a:lstStyle>
+          <a:p>
+            <a:endParaRPr lang="en-US"/>
+          </a:p>
+        </p:txBody>
+      </p:sp>
+      <p:sp>
+        <p:nvSpPr>
+          <p:cNvPr id="3" name="Date Placeholder 2"/>
+          <p:cNvSpPr>
+            <a:spLocks noGrp="1"/>
+          </p:cNvSpPr>
+          <p:nvPr>
+            <p:ph type="dt" idx="1"/>
+          </p:nvPr>
+        </p:nvSpPr>
+        <p:spPr>
+          <a:xfrm>
+            <a:off x="3884613" y="0"/>
+            <a:ext cx="2971800" cy="458788"/>
+          </a:xfrm>
+          <a:prstGeom prst="rect">
+            <a:avLst/>
+          </a:prstGeom>
+        </p:spPr>
+        <p:txBody>
+          <a:bodyPr vert="horz" lIns="91440" tIns="45720" rIns="91440" bIns="45720" rtlCol="0"/>
+          <a:lstStyle>
+            <a:lvl1pPr algn="r">
+              <a:defRPr sz="1200"/>
+            </a:lvl1pPr>
+          </a:lstStyle>
+          <a:p>
+            <a:fld id="{3EFD42F7-718C-4B98-AAEC-167E6DDD60A7}" type="datetimeFigureOut">
+              <a:rPr lang="en-US" smtClean="0"/>
+            </a:fld>
+            <a:endParaRPr lang="en-US"/>
+          </a:p>
+        </p:txBody>
+      </p:sp>
+      <p:sp>
+        <p:nvSpPr>
+          <p:cNvPr id="4" name="Slide Image Placeholder 3"/>
+          <p:cNvSpPr>
+            <a:spLocks noGrp="1" noRot="1" noChangeAspect="1"/>
+          </p:cNvSpPr>
+          <p:nvPr>
+            <p:ph type="sldImg" idx="2"/>
+          </p:nvPr>
+        </p:nvSpPr>
+        <p:spPr>
+          <a:xfrm>
+            <a:off x="685800" y="1143000"/>
+            <a:ext cx="5486400" cy="3086100"/>
+          </a:xfrm>
+          <a:prstGeom prst="rect">
+            <a:avLst/>
+          </a:prstGeom>
+          <a:noFill/>
+          <a:ln w="12700">
+            <a:solidFill>
+              <a:prstClr val="black"/>
+            </a:solidFill>
+          </a:ln>
+        </p:spPr>
+        <p:txBody>
+          <a:bodyPr vert="horz" lIns="91440" tIns="45720" rIns="91440" bIns="45720" rtlCol="0" anchor="ctr"/>
+          <a:lstStyle/>
+          <a:p>
+            <a:endParaRPr lang="en-US"/>
+          </a:p>
+        </p:txBody>
+      </p:sp>
+      <p:sp>
+        <p:nvSpPr>
+          <p:cNvPr id="5" name="Notes Placeholder 4"/>
+          <p:cNvSpPr>
+            <a:spLocks noGrp="1"/>
+          </p:cNvSpPr>
+          <p:nvPr>
+            <p:ph type="body" sz="quarter" idx="3"/>
+          </p:nvPr>
+        </p:nvSpPr>
+        <p:spPr>
+          <a:xfrm>
+            <a:off x="685800" y="4400550"/>
+            <a:ext cx="5486400" cy="3600450"/>
+          </a:xfrm>
+          <a:prstGeom prst="rect">
+            <a:avLst/>
+          </a:prstGeom>
+        </p:spPr>
+        <p:txBody>
+          <a:bodyPr vert="horz" lIns="91440" tIns="45720" rIns="91440" bIns="45720" rtlCol="0"/>
+          <a:lstStyle/>
+          <a:p>
+            <a:pPr lvl="0"/>
+            <a:r>
+              <a:rPr lang="en-US" smtClean="0"/>
+              <a:t>Click to edit Master text styles</a:t>
+            </a:r>
+            <a:endParaRPr lang="en-US" smtClean="0"/>
+          </a:p>
+          <a:p>
+            <a:pPr lvl="1"/>
+            <a:r>
+              <a:rPr lang="en-US" smtClean="0"/>
+              <a:t>Second level</a:t>
+            </a:r>
+            <a:endParaRPr lang="en-US" smtClean="0"/>
+          </a:p>
+          <a:p>
+            <a:pPr lvl="2"/>
+            <a:r>
+              <a:rPr lang="en-US" smtClean="0"/>
+              <a:t>Third level</a:t>
+            </a:r>
+            <a:endParaRPr lang="en-US" smtClean="0"/>
+          </a:p>
+          <a:p>
+            <a:pPr lvl="3"/>
+            <a:r>
+              <a:rPr lang="en-US" smtClean="0"/>
+              <a:t>Fourth level</a:t>
+            </a:r>
+            <a:endParaRPr lang="en-US" smtClean="0"/>
+          </a:p>
+          <a:p>
+            <a:pPr lvl="4"/>
+            <a:r>
+              <a:rPr lang="en-US" smtClean="0"/>
+              <a:t>Fifth level</a:t>
+            </a:r>
+            <a:endParaRPr lang="en-US"/>
+          </a:p>
+        </p:txBody>
+      </p:sp>
+      <p:sp>
+        <p:nvSpPr>
+          <p:cNvPr id="6" name="Footer Placeholder 5"/>
+          <p:cNvSpPr>
+            <a:spLocks noGrp="1"/>
+          </p:cNvSpPr>
+          <p:nvPr>
+            <p:ph type="ftr" sz="quarter" idx="4"/>
+          </p:nvPr>
+        </p:nvSpPr>
+        <p:spPr>
+          <a:xfrm>
+            <a:off x="0" y="8685213"/>
+            <a:ext cx="2971800" cy="458787"/>
+          </a:xfrm>
+          <a:prstGeom prst="rect">
+            <a:avLst/>
+          </a:prstGeom>
+        </p:spPr>
+        <p:txBody>
+          <a:bodyPr vert="horz" lIns="91440" tIns="45720" rIns="91440" bIns="45720" rtlCol="0" anchor="b"/>
+          <a:lstStyle>
+            <a:lvl1pPr algn="l">
+              <a:defRPr sz="1200"/>
+            </a:lvl1pPr>
+          </a:lstStyle>
+          <a:p>
+            <a:endParaRPr lang="en-US"/>
+          </a:p>
+        </p:txBody>
+      </p:sp>
+      <p:sp>
+        <p:nvSpPr>
+          <p:cNvPr id="7" name="Slide Number Placeholder 6"/>
+          <p:cNvSpPr>
+            <a:spLocks noGrp="1"/>
+          </p:cNvSpPr>
+          <p:nvPr>
+            <p:ph type="sldNum" sz="quarter" idx="5"/>
+          </p:nvPr>
+        </p:nvSpPr>
+        <p:spPr>
+          <a:xfrm>
+            <a:off x="3884613" y="8685213"/>
+            <a:ext cx="2971800" cy="458787"/>
+          </a:xfrm>
+          <a:prstGeom prst="rect">
+            <a:avLst/>
+          </a:prstGeom>
+        </p:spPr>
+        <p:txBody>
+          <a:bodyPr vert="horz" lIns="91440" tIns="45720" rIns="91440" bIns="45720" rtlCol="0" anchor="b"/>
+          <a:lstStyle>
+            <a:lvl1pPr algn="r">
+              <a:defRPr sz="1200"/>
+            </a:lvl1pPr>
+          </a:lstStyle>
+          <a:p>
+            <a:fld id="{21B2AA4F-B828-4D7C-AFD3-893933DAFCB4}" type="slidenum">
+              <a:rPr lang="en-US" smtClean="0"/>
+            </a:fld>
+            <a:endParaRPr lang="en-US"/>
+          </a:p>
+        </p:txBody>
+      </p:sp>
+    </p:spTree>
+  </p:cSld>
+  <p:clrMap bg1="lt1" tx1="dk1" bg2="lt2" tx2="dk2" accent1="accent1" accent2="accent2" accent3="accent3" accent4="accent4" accent5="accent5" accent6="accent6" hlink="hlink" folHlink="folHlink"/>
+  <p:notesStyle>
+    <a:lvl1pPr marL="0" algn="l" defTabSz="914400" rtl="0" eaLnBrk="1" latinLnBrk="0" hangingPunct="1">
+      <a:defRPr sz="1200" kern="1200">
+        <a:solidFill>
+          <a:schemeClr val="tx1"/>
+        </a:solidFill>
+        <a:latin typeface="+mn-lt"/>
+        <a:ea typeface="+mn-ea"/>
+        <a:cs typeface="+mn-cs"/>
+      </a:defRPr>
+    </a:lvl1pPr>
+    <a:lvl2pPr marL="457200" algn="l" defTabSz="914400" rtl="0" eaLnBrk="1" latinLnBrk="0" hangingPunct="1">
+      <a:defRPr sz="1200" kern="1200">
+        <a:solidFill>
+          <a:schemeClr val="tx1"/>
+        </a:solidFill>
+        <a:latin typeface="+mn-lt"/>
+        <a:ea typeface="+mn-ea"/>
+        <a:cs typeface="+mn-cs"/>
+      </a:defRPr>
+    </a:lvl2pPr>
+    <a:lvl3pPr marL="914400" algn="l" defTabSz="914400" rtl="0" eaLnBrk="1" latinLnBrk="0" hangingPunct="1">
+      <a:defRPr sz="1200" kern="1200">
+        <a:solidFill>
+          <a:schemeClr val="tx1"/>
+        </a:solidFill>
+        <a:latin typeface="+mn-lt"/>
+        <a:ea typeface="+mn-ea"/>
+        <a:cs typeface="+mn-cs"/>
+      </a:defRPr>
+    </a:lvl3pPr>
+    <a:lvl4pPr marL="1371600" algn="l" defTabSz="914400" rtl="0" eaLnBrk="1" latinLnBrk="0" hangingPunct="1">
+      <a:defRPr sz="1200" kern="1200">
+        <a:solidFill>
+          <a:schemeClr val="tx1"/>
+        </a:solidFill>
+        <a:latin typeface="+mn-lt"/>
+        <a:ea typeface="+mn-ea"/>
+        <a:cs typeface="+mn-cs"/>
+      </a:defRPr>
+    </a:lvl4pPr>
+    <a:lvl5pPr marL="1828800" algn="l" defTabSz="914400" rtl="0" eaLnBrk="1" latinLnBrk="0" hangingPunct="1">
+      <a:defRPr sz="1200" kern="1200">
+        <a:solidFill>
+          <a:schemeClr val="tx1"/>
+        </a:solidFill>
+        <a:latin typeface="+mn-lt"/>
+        <a:ea typeface="+mn-ea"/>
+        <a:cs typeface="+mn-cs"/>
+      </a:defRPr>
+    </a:lvl5pPr>
+    <a:lvl6pPr marL="2286000" algn="l" defTabSz="914400" rtl="0" eaLnBrk="1" latinLnBrk="0" hangingPunct="1">
+      <a:defRPr sz="1200" kern="1200">
+        <a:solidFill>
+          <a:schemeClr val="tx1"/>
+        </a:solidFill>
+        <a:latin typeface="+mn-lt"/>
+        <a:ea typeface="+mn-ea"/>
+        <a:cs typeface="+mn-cs"/>
+      </a:defRPr>
+    </a:lvl6pPr>
+    <a:lvl7pPr marL="2743200" algn="l" defTabSz="914400" rtl="0" eaLnBrk="1" latinLnBrk="0" hangingPunct="1">
+      <a:defRPr sz="1200" kern="1200">
+        <a:solidFill>
+          <a:schemeClr val="tx1"/>
+        </a:solidFill>
+        <a:latin typeface="+mn-lt"/>
+        <a:ea typeface="+mn-ea"/>
+        <a:cs typeface="+mn-cs"/>
+      </a:defRPr>
+    </a:lvl7pPr>
+    <a:lvl8pPr marL="3200400" algn="l" defTabSz="914400" rtl="0" eaLnBrk="1" latinLnBrk="0" hangingPunct="1">
+      <a:defRPr sz="1200" kern="1200">
+        <a:solidFill>
+          <a:schemeClr val="tx1"/>
+        </a:solidFill>
+        <a:latin typeface="+mn-lt"/>
+        <a:ea typeface="+mn-ea"/>
+        <a:cs typeface="+mn-cs"/>
+      </a:defRPr>
+    </a:lvl8pPr>
+    <a:lvl9pPr marL="3657600" algn="l" defTabSz="914400" rtl="0" eaLnBrk="1" latinLnBrk="0" hangingPunct="1">
+      <a:defRPr sz="1200" kern="1200">
+        <a:solidFill>
+          <a:schemeClr val="tx1"/>
+        </a:solidFill>
+        <a:latin typeface="+mn-lt"/>
+        <a:ea typeface="+mn-ea"/>
+        <a:cs typeface="+mn-cs"/>
+      </a:defRPr>
+    </a:lvl9pPr>
+  </p:notesStyle>
+</p:notesMaster>
+</file>
+
+<file path=ppt/notesSlides/notesSlide1.xml><?xml version="1.0" encoding="utf-8"?>
+<p:notes xmlns:a="http://schemas.openxmlformats.org/drawingml/2006/main" xmlns:r="http://schemas.openxmlformats.org/officeDocument/2006/relationships" xmlns:p="http://schemas.openxmlformats.org/presentationml/2006/main">
+  <p:cSld>
+    <p:spTree>
+      <p:nvGrpSpPr>
+        <p:cNvPr id="1" name=""/>
+        <p:cNvGrpSpPr/>
+        <p:nvPr/>
+      </p:nvGrpSpPr>
+      <p:grpSpPr/>
+      <p:sp>
+        <p:nvSpPr>
+          <p:cNvPr id="2" name="Slide Image Placeholder 1"/>
+          <p:cNvSpPr/>
+          <p:nvPr>
+            <p:ph type="sldImg" idx="2"/>
+          </p:nvPr>
+        </p:nvSpPr>
+        <p:spPr/>
+      </p:sp>
+      <p:sp>
+        <p:nvSpPr>
+          <p:cNvPr id="3" name="Text Placeholder 2"/>
+          <p:cNvSpPr/>
+          <p:nvPr>
+            <p:ph type="body" idx="3"/>
+          </p:nvPr>
+        </p:nvSpPr>
+        <p:spPr/>
+        <p:txBody>
+          <a:bodyPr/>
+          <a:p>
+            <a:endParaRPr lang="en-US"/>
+          </a:p>
+        </p:txBody>
+      </p:sp>
+    </p:spTree>
+  </p:cSld>
+  <p:clrMapOvr>
+    <a:masterClrMapping/>
+  </p:clrMapOvr>
+</p:notes>
 </file>
 
 <file path=ppt/slideLayouts/slideLayout1.xml><?xml version="1.0" encoding="utf-8"?>
@@ -3333,6 +3728,13 @@
           </a:p>
           <a:p>
             <a:r>
+              <a:rPr lang="en-IN" altLang="en-US" sz="2400"/>
+              <a:t>Access modifiers</a:t>
+            </a:r>
+            <a:endParaRPr lang="en-IN" altLang="en-US" sz="2400"/>
+          </a:p>
+          <a:p>
+            <a:r>
               <a:rPr lang="en-IN" altLang="en-US" sz="2400">
                 <a:sym typeface="+mn-ea"/>
               </a:rPr>
@@ -3384,6 +3786,182 @@
               <a:t>Loops and Conditions</a:t>
             </a:r>
             <a:endParaRPr lang="en-IN" altLang="en-US"/>
+          </a:p>
+        </p:txBody>
+      </p:sp>
+    </p:spTree>
+  </p:cSld>
+  <p:clrMapOvr>
+    <a:masterClrMapping/>
+  </p:clrMapOvr>
+</p:sld>
+</file>
+
+<file path=ppt/slides/slide10.xml><?xml version="1.0" encoding="utf-8"?>
+<p:sld xmlns:a="http://schemas.openxmlformats.org/drawingml/2006/main" xmlns:r="http://schemas.openxmlformats.org/officeDocument/2006/relationships" xmlns:p="http://schemas.openxmlformats.org/presentationml/2006/main">
+  <p:cSld>
+    <p:spTree>
+      <p:nvGrpSpPr>
+        <p:cNvPr id="1" name=""/>
+        <p:cNvGrpSpPr/>
+        <p:nvPr/>
+      </p:nvGrpSpPr>
+      <p:grpSpPr/>
+      <p:sp>
+        <p:nvSpPr>
+          <p:cNvPr id="2" name="Text Box 1"/>
+          <p:cNvSpPr txBox="1"/>
+          <p:nvPr/>
+        </p:nvSpPr>
+        <p:spPr>
+          <a:xfrm>
+            <a:off x="1070610" y="494030"/>
+            <a:ext cx="10050780" cy="5384800"/>
+          </a:xfrm>
+          <a:prstGeom prst="rect">
+            <a:avLst/>
+          </a:prstGeom>
+          <a:noFill/>
+        </p:spPr>
+        <p:txBody>
+          <a:bodyPr wrap="square" rtlCol="0">
+            <a:spAutoFit/>
+          </a:bodyPr>
+          <a:p>
+            <a:pPr algn="l"/>
+            <a:r>
+              <a:rPr lang="en-IN" altLang="en-US" sz="2000" b="1"/>
+              <a:t>Switch case:</a:t>
+            </a:r>
+            <a:endParaRPr lang="en-IN" altLang="en-US" sz="2000" b="1"/>
+          </a:p>
+          <a:p>
+            <a:pPr algn="l"/>
+            <a:endParaRPr lang="en-IN" altLang="en-US"/>
+          </a:p>
+          <a:p>
+            <a:pPr algn="l"/>
+            <a:r>
+              <a:rPr lang="en-IN" altLang="en-US" i="1"/>
+              <a:t>switch(&lt;condition&gt;){</a:t>
+            </a:r>
+            <a:endParaRPr lang="en-IN" altLang="en-US" i="1"/>
+          </a:p>
+          <a:p>
+            <a:pPr algn="l"/>
+            <a:endParaRPr lang="en-IN" altLang="en-US" i="1"/>
+          </a:p>
+          <a:p>
+            <a:pPr algn="l"/>
+            <a:r>
+              <a:rPr lang="en-IN" altLang="en-US" i="1"/>
+              <a:t>case 1:</a:t>
+            </a:r>
+            <a:endParaRPr lang="en-IN" altLang="en-US" i="1"/>
+          </a:p>
+          <a:p>
+            <a:pPr algn="l"/>
+            <a:r>
+              <a:rPr lang="en-IN" altLang="en-US" i="1"/>
+              <a:t>&lt;code to be executed&gt;</a:t>
+            </a:r>
+            <a:endParaRPr lang="en-IN" altLang="en-US" i="1"/>
+          </a:p>
+          <a:p>
+            <a:pPr algn="l"/>
+            <a:r>
+              <a:rPr lang="en-IN" altLang="en-US" i="1"/>
+              <a:t>break;</a:t>
+            </a:r>
+            <a:endParaRPr lang="en-IN" altLang="en-US" i="1"/>
+          </a:p>
+          <a:p>
+            <a:pPr algn="l"/>
+            <a:endParaRPr lang="en-IN" altLang="en-US" i="1"/>
+          </a:p>
+          <a:p>
+            <a:pPr algn="l"/>
+            <a:r>
+              <a:rPr lang="en-IN" altLang="en-US" i="1"/>
+              <a:t>Case 2:</a:t>
+            </a:r>
+            <a:endParaRPr lang="en-IN" altLang="en-US" i="1"/>
+          </a:p>
+          <a:p>
+            <a:pPr algn="l"/>
+            <a:r>
+              <a:rPr lang="en-IN" altLang="en-US" i="1">
+                <a:sym typeface="+mn-ea"/>
+              </a:rPr>
+              <a:t>&lt;code to be executed&gt;</a:t>
+            </a:r>
+            <a:endParaRPr lang="en-IN" altLang="en-US" i="1"/>
+          </a:p>
+          <a:p>
+            <a:pPr algn="l"/>
+            <a:r>
+              <a:rPr lang="en-IN" altLang="en-US" i="1">
+                <a:sym typeface="+mn-ea"/>
+              </a:rPr>
+              <a:t>break;</a:t>
+            </a:r>
+            <a:endParaRPr lang="en-IN" altLang="en-US" i="1"/>
+          </a:p>
+          <a:p>
+            <a:pPr algn="l"/>
+            <a:endParaRPr lang="en-IN" altLang="en-US" i="1"/>
+          </a:p>
+          <a:p>
+            <a:pPr algn="l"/>
+            <a:r>
+              <a:rPr lang="en-IN" altLang="en-US" i="1"/>
+              <a:t>Case n:</a:t>
+            </a:r>
+            <a:endParaRPr lang="en-IN" altLang="en-US" i="1"/>
+          </a:p>
+          <a:p>
+            <a:pPr algn="l"/>
+            <a:r>
+              <a:rPr lang="en-IN" altLang="en-US" i="1">
+                <a:sym typeface="+mn-ea"/>
+              </a:rPr>
+              <a:t>&lt;code to be executed&gt;</a:t>
+            </a:r>
+            <a:endParaRPr lang="en-IN" altLang="en-US" i="1"/>
+          </a:p>
+          <a:p>
+            <a:pPr algn="l"/>
+            <a:r>
+              <a:rPr lang="en-IN" altLang="en-US" i="1">
+                <a:sym typeface="+mn-ea"/>
+              </a:rPr>
+              <a:t>break;</a:t>
+            </a:r>
+            <a:endParaRPr lang="en-IN" altLang="en-US" i="1"/>
+          </a:p>
+          <a:p>
+            <a:pPr algn="l"/>
+            <a:endParaRPr lang="en-IN" altLang="en-US" i="1"/>
+          </a:p>
+          <a:p>
+            <a:pPr algn="l"/>
+            <a:r>
+              <a:rPr lang="en-IN" altLang="en-US" i="1"/>
+              <a:t>default:</a:t>
+            </a:r>
+            <a:endParaRPr lang="en-IN" altLang="en-US" i="1"/>
+          </a:p>
+          <a:p>
+            <a:pPr algn="l"/>
+            <a:endParaRPr lang="en-IN" altLang="en-US" i="1"/>
+          </a:p>
+          <a:p>
+            <a:pPr algn="l"/>
+            <a:r>
+              <a:rPr lang="en-IN" altLang="en-US" i="1"/>
+              <a:t>}</a:t>
+            </a:r>
+            <a:endParaRPr lang="en-IN" altLang="en-US" i="1"/>
           </a:p>
         </p:txBody>
       </p:sp>
@@ -3422,30 +4000,36 @@
             <a:pPr algn="ctr"/>
             <a:r>
               <a:rPr lang="en-IN" altLang="en-US">
+                <a:ln w="22225">
+                  <a:solidFill>
+                    <a:schemeClr val="accent2"/>
+                  </a:solidFill>
+                  <a:prstDash val="solid"/>
+                </a:ln>
                 <a:solidFill>
-                  <a:schemeClr val="accent1"/>
+                  <a:schemeClr val="accent2">
+                    <a:lumMod val="40000"/>
+                    <a:lumOff val="60000"/>
+                  </a:schemeClr>
                 </a:solidFill>
-                <a:effectLst>
-                  <a:outerShdw blurRad="38100" dist="25400" dir="5400000" algn="ctr" rotWithShape="0">
-                    <a:srgbClr val="6E747A">
-                      <a:alpha val="43000"/>
-                    </a:srgbClr>
-                  </a:outerShdw>
-                </a:effectLst>
+                <a:effectLst/>
               </a:rPr>
               <a:t>Classes</a:t>
             </a:r>
             <a:endParaRPr lang="en-IN" altLang="en-US">
+              <a:ln w="22225">
+                <a:solidFill>
+                  <a:schemeClr val="accent2"/>
+                </a:solidFill>
+                <a:prstDash val="solid"/>
+              </a:ln>
               <a:solidFill>
-                <a:schemeClr val="accent1"/>
+                <a:schemeClr val="accent2">
+                  <a:lumMod val="40000"/>
+                  <a:lumOff val="60000"/>
+                </a:schemeClr>
               </a:solidFill>
-              <a:effectLst>
-                <a:outerShdw blurRad="38100" dist="25400" dir="5400000" algn="ctr" rotWithShape="0">
-                  <a:srgbClr val="6E747A">
-                    <a:alpha val="43000"/>
-                  </a:srgbClr>
-                </a:outerShdw>
-              </a:effectLst>
+              <a:effectLst/>
             </a:endParaRPr>
           </a:p>
         </p:txBody>
@@ -3619,30 +4203,36 @@
             <a:pPr algn="ctr"/>
             <a:r>
               <a:rPr lang="en-IN" altLang="en-US">
+                <a:ln w="22225">
+                  <a:solidFill>
+                    <a:schemeClr val="accent2"/>
+                  </a:solidFill>
+                  <a:prstDash val="solid"/>
+                </a:ln>
                 <a:solidFill>
-                  <a:schemeClr val="accent1"/>
+                  <a:schemeClr val="accent2">
+                    <a:lumMod val="40000"/>
+                    <a:lumOff val="60000"/>
+                  </a:schemeClr>
                 </a:solidFill>
-                <a:effectLst>
-                  <a:outerShdw blurRad="38100" dist="25400" dir="5400000" algn="ctr" rotWithShape="0">
-                    <a:srgbClr val="6E747A">
-                      <a:alpha val="43000"/>
-                    </a:srgbClr>
-                  </a:outerShdw>
-                </a:effectLst>
+                <a:effectLst/>
               </a:rPr>
               <a:t>Objects</a:t>
             </a:r>
             <a:endParaRPr lang="en-IN" altLang="en-US">
+              <a:ln w="22225">
+                <a:solidFill>
+                  <a:schemeClr val="accent2"/>
+                </a:solidFill>
+                <a:prstDash val="solid"/>
+              </a:ln>
               <a:solidFill>
-                <a:schemeClr val="accent1"/>
+                <a:schemeClr val="accent2">
+                  <a:lumMod val="40000"/>
+                  <a:lumOff val="60000"/>
+                </a:schemeClr>
               </a:solidFill>
-              <a:effectLst>
-                <a:outerShdw blurRad="38100" dist="25400" dir="5400000" algn="ctr" rotWithShape="0">
-                  <a:srgbClr val="6E747A">
-                    <a:alpha val="43000"/>
-                  </a:srgbClr>
-                </a:outerShdw>
-              </a:effectLst>
+              <a:effectLst/>
             </a:endParaRPr>
           </a:p>
         </p:txBody>
@@ -4014,7 +4604,7 @@
           <a:p>
             <a:pPr algn="ctr"/>
             <a:r>
-              <a:rPr lang="en-IN" altLang="en-US" sz="3200">
+              <a:rPr lang="en-IN" altLang="en-US">
                 <a:ln w="22225">
                   <a:solidFill>
                     <a:schemeClr val="accent2"/>
@@ -4029,9 +4619,9 @@
                 </a:solidFill>
                 <a:effectLst/>
               </a:rPr>
-              <a:t>Arrays</a:t>
-            </a:r>
-            <a:endParaRPr lang="en-IN" altLang="en-US" sz="3200">
+              <a:t>Access modifiers</a:t>
+            </a:r>
+            <a:endParaRPr lang="en-IN" altLang="en-US">
               <a:ln w="22225">
                 <a:solidFill>
                   <a:schemeClr val="accent2"/>
@@ -4064,93 +4654,49 @@
           <a:bodyPr/>
           <a:p>
             <a:r>
+              <a:rPr lang="en-IN" altLang="en-US" sz="2000" b="1" i="1"/>
+              <a:t>Public:</a:t>
+            </a:r>
+            <a:r>
               <a:rPr lang="en-IN" altLang="en-US" sz="2000"/>
-              <a:t>Arrays are used to store more than one value to the variable</a:t>
+              <a:t> The access level of public modifier is everywhere, i.e it can be accessed within the class, outside the class, within and outside the package</a:t>
             </a:r>
             <a:endParaRPr lang="en-IN" altLang="en-US" sz="2000"/>
           </a:p>
           <a:p>
             <a:r>
+              <a:rPr lang="en-IN" altLang="en-US" sz="2000" b="1" i="1"/>
+              <a:t>Private:</a:t>
+            </a:r>
+            <a:r>
               <a:rPr lang="en-IN" altLang="en-US" sz="2000"/>
-              <a:t>Data types defined with [] will be considered as arrays</a:t>
+              <a:t> The access level of the private modifier is only within the class, the private methods cannot be accessed outside the class</a:t>
             </a:r>
             <a:endParaRPr lang="en-IN" altLang="en-US" sz="2000"/>
           </a:p>
           <a:p>
             <a:r>
+              <a:rPr lang="en-IN" altLang="en-US" sz="2000" b="1" i="1"/>
+              <a:t>Default:</a:t>
+            </a:r>
+            <a:r>
               <a:rPr lang="en-IN" altLang="en-US" sz="2000"/>
-              <a:t>User have to define the size of the array, so that it will hold those many values in the array. In essence the size of the array is static.</a:t>
+              <a:t> The access level of the default modifier is within the package. If the access level is not specified, it will be default </a:t>
             </a:r>
             <a:endParaRPr lang="en-IN" altLang="en-US" sz="2000"/>
           </a:p>
           <a:p>
             <a:r>
+              <a:rPr lang="en-IN" altLang="en-US" sz="2000" b="1" i="1"/>
+              <a:t>Protected:</a:t>
+            </a:r>
+            <a:r>
               <a:rPr lang="en-IN" altLang="en-US" sz="2000"/>
-              <a:t>Once the size is defined, array will hold the storage as per the defined size even if the values are not</a:t>
+              <a:t> The access level of the protected modifier is within and outside the package through the child class. If the child class is not created, it cannot be accessed outside the package</a:t>
             </a:r>
             <a:endParaRPr lang="en-IN" altLang="en-US" sz="2000"/>
           </a:p>
           <a:p>
-            <a:r>
-              <a:rPr lang="en-IN" altLang="en-US" sz="2000"/>
-              <a:t>While storing the values to array, array index starts with 0.</a:t>
-            </a:r>
-            <a:endParaRPr lang="en-IN" altLang="en-US" sz="2000"/>
-          </a:p>
-          <a:p>
-            <a:pPr marL="0" indent="0">
-              <a:buNone/>
-            </a:pPr>
-            <a:r>
-              <a:rPr lang="en-IN" altLang="en-US" sz="2000"/>
-              <a:t>Eg:</a:t>
-            </a:r>
-            <a:endParaRPr lang="en-IN" altLang="en-US" sz="2000"/>
-          </a:p>
-          <a:p>
-            <a:pPr marL="0" indent="0">
-              <a:buNone/>
-            </a:pPr>
-            <a:r>
-              <a:rPr lang="en-IN" altLang="en-US" sz="2000"/>
-              <a:t>int[] i={1,2,3,4,5}</a:t>
-            </a:r>
-            <a:endParaRPr lang="en-IN" altLang="en-US" sz="2000"/>
-          </a:p>
-          <a:p>
-            <a:pPr marL="0" indent="0">
-              <a:buNone/>
-            </a:pPr>
-            <a:endParaRPr lang="en-IN" altLang="en-US" sz="2000"/>
-          </a:p>
-          <a:p>
-            <a:pPr marL="0" indent="0">
-              <a:buNone/>
-            </a:pPr>
-            <a:r>
-              <a:rPr lang="en-IN" altLang="en-US" sz="2000"/>
-              <a:t>int a[]=new int[2]</a:t>
-            </a:r>
-            <a:endParaRPr lang="en-IN" altLang="en-US" sz="2000"/>
-          </a:p>
-          <a:p>
-            <a:pPr marL="0" indent="0">
-              <a:buNone/>
-            </a:pPr>
-            <a:r>
-              <a:rPr lang="en-IN" altLang="en-US" sz="2000"/>
-              <a:t>a[0]=1</a:t>
-            </a:r>
-            <a:endParaRPr lang="en-IN" altLang="en-US" sz="2000"/>
-          </a:p>
-          <a:p>
-            <a:pPr marL="0" indent="0">
-              <a:buNone/>
-            </a:pPr>
-            <a:r>
-              <a:rPr lang="en-IN" altLang="en-US" sz="2000"/>
-              <a:t>a[1]=2</a:t>
-            </a:r>
             <a:endParaRPr lang="en-IN" altLang="en-US" sz="2000"/>
           </a:p>
         </p:txBody>
@@ -4189,7 +4735,7 @@
           <a:p>
             <a:pPr algn="ctr"/>
             <a:r>
-              <a:rPr lang="en-IN" altLang="en-US">
+              <a:rPr lang="en-IN" altLang="en-US" sz="3200">
                 <a:ln w="22225">
                   <a:solidFill>
                     <a:schemeClr val="accent2"/>
@@ -4204,9 +4750,9 @@
                 </a:solidFill>
                 <a:effectLst/>
               </a:rPr>
-              <a:t>Array lists</a:t>
-            </a:r>
-            <a:endParaRPr lang="en-IN" altLang="en-US">
+              <a:t>Arrays</a:t>
+            </a:r>
+            <a:endParaRPr lang="en-IN" altLang="en-US" sz="3200">
               <a:ln w="22225">
                 <a:solidFill>
                   <a:schemeClr val="accent2"/>
@@ -4240,76 +4786,91 @@
           <a:p>
             <a:r>
               <a:rPr lang="en-IN" altLang="en-US" sz="2000"/>
-              <a:t>Basically ArrayList is a class which offers various methods to program</a:t>
+              <a:t>Arrays are used to store more than one value to the variable</a:t>
             </a:r>
             <a:endParaRPr lang="en-IN" altLang="en-US" sz="2000"/>
           </a:p>
           <a:p>
             <a:r>
               <a:rPr lang="en-IN" altLang="en-US" sz="2000"/>
-              <a:t>To get access to these methods we have to create the object for the ArrayList class</a:t>
+              <a:t>Data types defined with [] will be considered as arrays</a:t>
             </a:r>
             <a:endParaRPr lang="en-IN" altLang="en-US" sz="2000"/>
           </a:p>
           <a:p>
             <a:r>
               <a:rPr lang="en-IN" altLang="en-US" sz="2000"/>
-              <a:t>We can dynamically create and increase the size of the array</a:t>
+              <a:t>User have to define the size of the array, so that it will hold those many values in the array. In essence the size of the array is static.</a:t>
             </a:r>
             <a:endParaRPr lang="en-IN" altLang="en-US" sz="2000"/>
           </a:p>
           <a:p>
-            <a:endParaRPr lang="en-IN" altLang="en-US"/>
-          </a:p>
-          <a:p>
-            <a:pPr marL="0" indent="0" algn="l">
-              <a:buClrTx/>
-              <a:buSzTx/>
-              <a:buFontTx/>
+            <a:r>
+              <a:rPr lang="en-IN" altLang="en-US" sz="2000"/>
+              <a:t>Once the size is defined, array will hold the storage as per the defined size even if the values are not</a:t>
+            </a:r>
+            <a:endParaRPr lang="en-IN" altLang="en-US" sz="2000"/>
+          </a:p>
+          <a:p>
+            <a:r>
+              <a:rPr lang="en-IN" altLang="en-US" sz="2000"/>
+              <a:t>While storing the values to array, array index starts with 0.</a:t>
+            </a:r>
+            <a:endParaRPr lang="en-IN" altLang="en-US" sz="2000"/>
+          </a:p>
+          <a:p>
+            <a:pPr marL="0" indent="0">
               <a:buNone/>
             </a:pPr>
             <a:r>
               <a:rPr lang="en-IN" altLang="en-US" sz="2000"/>
-              <a:t>Eg: </a:t>
+              <a:t>Eg:</a:t>
             </a:r>
             <a:endParaRPr lang="en-IN" altLang="en-US" sz="2000"/>
           </a:p>
           <a:p>
-            <a:pPr marL="0" indent="0" algn="l">
-              <a:buClrTx/>
-              <a:buSzTx/>
-              <a:buFontTx/>
+            <a:pPr marL="0" indent="0">
               <a:buNone/>
             </a:pPr>
             <a:r>
               <a:rPr lang="en-IN" altLang="en-US" sz="2000"/>
-              <a:t>ArrayList&lt;String&gt; a=new ArrayList&lt;String&gt;();</a:t>
+              <a:t>int[] i={1,2,3,4,5}</a:t>
             </a:r>
             <a:endParaRPr lang="en-IN" altLang="en-US" sz="2000"/>
           </a:p>
           <a:p>
-            <a:pPr marL="0" indent="0" algn="l">
-              <a:buClrTx/>
-              <a:buSzTx/>
-              <a:buFontTx/>
+            <a:pPr marL="0" indent="0">
               <a:buNone/>
             </a:pPr>
+            <a:endParaRPr lang="en-IN" altLang="en-US" sz="2000"/>
+          </a:p>
+          <a:p>
+            <a:pPr marL="0" indent="0">
+              <a:buNone/>
+            </a:pPr>
             <a:r>
               <a:rPr lang="en-IN" altLang="en-US" sz="2000"/>
-              <a:t>a.add(“string”);</a:t>
+              <a:t>int a[]=new int[2]</a:t>
             </a:r>
             <a:endParaRPr lang="en-IN" altLang="en-US" sz="2000"/>
           </a:p>
           <a:p>
-            <a:pPr marL="0" indent="0" algn="l">
-              <a:buClrTx/>
-              <a:buSzTx/>
-              <a:buFontTx/>
+            <a:pPr marL="0" indent="0">
               <a:buNone/>
             </a:pPr>
             <a:r>
               <a:rPr lang="en-IN" altLang="en-US" sz="2000"/>
-              <a:t>a.remove(&lt;index&gt;);</a:t>
+              <a:t>a[0]=1</a:t>
+            </a:r>
+            <a:endParaRPr lang="en-IN" altLang="en-US" sz="2000"/>
+          </a:p>
+          <a:p>
+            <a:pPr marL="0" indent="0">
+              <a:buNone/>
+            </a:pPr>
+            <a:r>
+              <a:rPr lang="en-IN" altLang="en-US" sz="2000"/>
+              <a:t>a[1]=2</a:t>
             </a:r>
             <a:endParaRPr lang="en-IN" altLang="en-US" sz="2000"/>
           </a:p>
@@ -4364,7 +4925,7 @@
                 </a:solidFill>
                 <a:effectLst/>
               </a:rPr>
-              <a:t>Loops and Conditions</a:t>
+              <a:t>Array lists</a:t>
             </a:r>
             <a:endParaRPr lang="en-IN" altLang="en-US">
               <a:ln w="22225">
@@ -4394,128 +4955,84 @@
             <p:ph idx="1"/>
           </p:nvPr>
         </p:nvSpPr>
-        <p:spPr>
-          <a:xfrm>
-            <a:off x="609600" y="1174750"/>
-            <a:ext cx="10972800" cy="5208905"/>
-          </a:xfrm>
-        </p:spPr>
+        <p:spPr/>
         <p:txBody>
           <a:bodyPr/>
           <a:p>
             <a:r>
               <a:rPr lang="en-IN" altLang="en-US" sz="2000"/>
-              <a:t>Loops are used when we have to execute certain set of instructions in repeated mode, based on certain conditions</a:t>
+              <a:t>Basically ArrayList is a class which offers various methods to program</a:t>
             </a:r>
             <a:endParaRPr lang="en-IN" altLang="en-US" sz="2000"/>
           </a:p>
           <a:p>
             <a:r>
               <a:rPr lang="en-IN" altLang="en-US" sz="2000"/>
-              <a:t>This helps us to avoid the repeatation of same lines of code for the number of times, it has to be repeated</a:t>
+              <a:t>To get access to these methods we have to create the object for the ArrayList class</a:t>
             </a:r>
             <a:endParaRPr lang="en-IN" altLang="en-US" sz="2000"/>
           </a:p>
           <a:p>
+            <a:r>
+              <a:rPr lang="en-IN" altLang="en-US" sz="2000"/>
+              <a:t>We can dynamically create and increase the size of the array</a:t>
+            </a:r>
             <a:endParaRPr lang="en-IN" altLang="en-US" sz="2000"/>
           </a:p>
           <a:p>
-            <a:pPr marL="0" indent="0">
+            <a:endParaRPr lang="en-IN" altLang="en-US"/>
+          </a:p>
+          <a:p>
+            <a:pPr marL="0" indent="0" algn="l">
+              <a:buClrTx/>
+              <a:buSzTx/>
+              <a:buFontTx/>
               <a:buNone/>
             </a:pPr>
             <a:r>
-              <a:rPr lang="en-IN" altLang="en-US" sz="2000" b="1" i="1"/>
-              <a:t>Major loops used in selenium</a:t>
-            </a:r>
-            <a:endParaRPr lang="en-IN" altLang="en-US" sz="2000" b="1" i="1"/>
-          </a:p>
-          <a:p>
-            <a:pPr marL="0" indent="0">
+              <a:rPr lang="en-IN" altLang="en-US" sz="2000"/>
+              <a:t>Eg: </a:t>
+            </a:r>
+            <a:endParaRPr lang="en-IN" altLang="en-US" sz="2000"/>
+          </a:p>
+          <a:p>
+            <a:pPr marL="0" indent="0" algn="l">
+              <a:buClrTx/>
+              <a:buSzTx/>
+              <a:buFontTx/>
               <a:buNone/>
             </a:pPr>
+            <a:r>
+              <a:rPr lang="en-IN" altLang="en-US" sz="2000"/>
+              <a:t>ArrayList&lt;String&gt; a=new ArrayList&lt;String&gt;();</a:t>
+            </a:r>
             <a:endParaRPr lang="en-IN" altLang="en-US" sz="2000"/>
           </a:p>
           <a:p>
-            <a:pPr marL="0" indent="0">
+            <a:pPr marL="0" indent="0" algn="l">
+              <a:buClrTx/>
+              <a:buSzTx/>
+              <a:buFontTx/>
               <a:buNone/>
             </a:pPr>
             <a:r>
-              <a:rPr lang="en-IN" altLang="en-US" sz="2000" b="1"/>
-              <a:t>If loop</a:t>
-            </a:r>
-            <a:endParaRPr lang="en-IN" altLang="en-US" sz="2000" b="1"/>
-          </a:p>
-          <a:p>
-            <a:pPr marL="0" indent="0">
+              <a:rPr lang="en-IN" altLang="en-US" sz="2000"/>
+              <a:t>a.add(“string”);</a:t>
+            </a:r>
+            <a:endParaRPr lang="en-IN" altLang="en-US" sz="2000"/>
+          </a:p>
+          <a:p>
+            <a:pPr marL="0" indent="0" algn="l">
+              <a:buClrTx/>
+              <a:buSzTx/>
+              <a:buFontTx/>
               <a:buNone/>
             </a:pPr>
-            <a:endParaRPr lang="en-IN" altLang="en-US" sz="1800" i="1"/>
-          </a:p>
-          <a:p>
-            <a:pPr marL="0" indent="0">
-              <a:buNone/>
-            </a:pPr>
-            <a:r>
-              <a:rPr lang="en-IN" altLang="en-US" sz="1800" i="1"/>
-              <a:t>if(&lt;condition&gt;){</a:t>
-            </a:r>
-            <a:endParaRPr lang="en-IN" altLang="en-US" sz="1800" i="1"/>
-          </a:p>
-          <a:p>
-            <a:pPr marL="0" indent="0">
-              <a:buNone/>
-            </a:pPr>
-            <a:r>
-              <a:rPr lang="en-IN" altLang="en-US" sz="1800" i="1"/>
-              <a:t>	</a:t>
-            </a:r>
-            <a:r>
-              <a:rPr lang="en-IN" altLang="en-US" sz="1800" i="1">
-                <a:sym typeface="+mn-ea"/>
-              </a:rPr>
-              <a:t>&lt;code to be executed&gt;</a:t>
-            </a:r>
-            <a:endParaRPr lang="en-IN" altLang="en-US" sz="1800" i="1">
-              <a:sym typeface="+mn-ea"/>
-            </a:endParaRPr>
-          </a:p>
-          <a:p>
-            <a:pPr marL="0" indent="0">
-              <a:buNone/>
-            </a:pPr>
-            <a:r>
-              <a:rPr lang="en-IN" altLang="en-US" sz="1800" i="1"/>
-              <a:t>}else{</a:t>
-            </a:r>
-            <a:endParaRPr lang="en-IN" altLang="en-US" sz="1800" i="1"/>
-          </a:p>
-          <a:p>
-            <a:pPr marL="0" indent="0">
-              <a:buNone/>
-            </a:pPr>
-            <a:r>
-              <a:rPr lang="en-IN" altLang="en-US" sz="1800" i="1"/>
-              <a:t>	</a:t>
-            </a:r>
-            <a:r>
-              <a:rPr lang="en-IN" altLang="en-US" sz="1800" i="1">
-                <a:sym typeface="+mn-ea"/>
-              </a:rPr>
-              <a:t>&lt;code to be executed&gt;</a:t>
-            </a:r>
-            <a:endParaRPr lang="en-IN" altLang="en-US" sz="1800" i="1">
-              <a:sym typeface="+mn-ea"/>
-            </a:endParaRPr>
-          </a:p>
-          <a:p>
-            <a:pPr marL="0" indent="0">
-              <a:buNone/>
-            </a:pPr>
-            <a:r>
-              <a:rPr lang="en-IN" altLang="en-US" sz="1800" i="1"/>
-              <a:t>}</a:t>
-            </a:r>
-            <a:endParaRPr lang="en-IN" altLang="en-US" sz="1800" i="1"/>
+            <a:r>
+              <a:rPr lang="en-IN" altLang="en-US" sz="2000"/>
+              <a:t>a.remove(&lt;index&gt;);</a:t>
+            </a:r>
+            <a:endParaRPr lang="en-IN" altLang="en-US" sz="2000"/>
           </a:p>
         </p:txBody>
       </p:sp>
@@ -4539,182 +5056,187 @@
       <p:grpSpPr/>
       <p:sp>
         <p:nvSpPr>
-          <p:cNvPr id="5" name="Text Box 4"/>
-          <p:cNvSpPr txBox="1"/>
-          <p:nvPr/>
+          <p:cNvPr id="2" name="Title 1"/>
+          <p:cNvSpPr>
+            <a:spLocks noGrp="1"/>
+          </p:cNvSpPr>
+          <p:nvPr>
+            <p:ph type="title"/>
+          </p:nvPr>
+        </p:nvSpPr>
+        <p:spPr/>
+        <p:txBody>
+          <a:bodyPr/>
+          <a:p>
+            <a:pPr algn="ctr"/>
+            <a:r>
+              <a:rPr lang="en-IN" altLang="en-US">
+                <a:ln w="22225">
+                  <a:solidFill>
+                    <a:schemeClr val="accent2"/>
+                  </a:solidFill>
+                  <a:prstDash val="solid"/>
+                </a:ln>
+                <a:solidFill>
+                  <a:schemeClr val="accent2">
+                    <a:lumMod val="40000"/>
+                    <a:lumOff val="60000"/>
+                  </a:schemeClr>
+                </a:solidFill>
+                <a:effectLst/>
+              </a:rPr>
+              <a:t>Loops and Conditions</a:t>
+            </a:r>
+            <a:endParaRPr lang="en-IN" altLang="en-US">
+              <a:ln w="22225">
+                <a:solidFill>
+                  <a:schemeClr val="accent2"/>
+                </a:solidFill>
+                <a:prstDash val="solid"/>
+              </a:ln>
+              <a:solidFill>
+                <a:schemeClr val="accent2">
+                  <a:lumMod val="40000"/>
+                  <a:lumOff val="60000"/>
+                </a:schemeClr>
+              </a:solidFill>
+              <a:effectLst/>
+            </a:endParaRPr>
+          </a:p>
+        </p:txBody>
+      </p:sp>
+      <p:sp>
+        <p:nvSpPr>
+          <p:cNvPr id="3" name="Content Placeholder 2"/>
+          <p:cNvSpPr>
+            <a:spLocks noGrp="1"/>
+          </p:cNvSpPr>
+          <p:nvPr>
+            <p:ph idx="1"/>
+          </p:nvPr>
         </p:nvSpPr>
         <p:spPr>
           <a:xfrm>
-            <a:off x="1068070" y="1007110"/>
-            <a:ext cx="10056495" cy="4246245"/>
+            <a:off x="609600" y="1174750"/>
+            <a:ext cx="10972800" cy="5208905"/>
           </a:xfrm>
-          <a:prstGeom prst="rect">
-            <a:avLst/>
-          </a:prstGeom>
-          <a:noFill/>
         </p:spPr>
         <p:txBody>
-          <a:bodyPr wrap="square" rtlCol="0">
-            <a:spAutoFit/>
-          </a:bodyPr>
-          <a:p>
-            <a:pPr marL="285750" indent="-285750">
-              <a:buFont typeface="Arial" panose="020B0604020202020204" pitchFamily="34" charset="0"/>
-              <a:buChar char="•"/>
+          <a:bodyPr/>
+          <a:p>
+            <a:r>
+              <a:rPr lang="en-IN" altLang="en-US" sz="2000"/>
+              <a:t>Loops are used when we have to execute certain set of instructions in repeated mode, based on certain conditions</a:t>
+            </a:r>
+            <a:endParaRPr lang="en-IN" altLang="en-US" sz="2000"/>
+          </a:p>
+          <a:p>
+            <a:r>
+              <a:rPr lang="en-IN" altLang="en-US" sz="2000"/>
+              <a:t>This helps us to avoid the repeatation of same lines of code for the number of times, it has to be repeated</a:t>
+            </a:r>
+            <a:endParaRPr lang="en-IN" altLang="en-US" sz="2000"/>
+          </a:p>
+          <a:p>
+            <a:endParaRPr lang="en-IN" altLang="en-US" sz="2000"/>
+          </a:p>
+          <a:p>
+            <a:pPr marL="0" indent="0">
+              <a:buNone/>
             </a:pPr>
             <a:r>
-              <a:rPr lang="en-IN" altLang="en-US" b="1"/>
-              <a:t>while loop</a:t>
-            </a:r>
-            <a:endParaRPr lang="en-IN" altLang="en-US" b="1"/>
-          </a:p>
-          <a:p>
-            <a:pPr indent="0">
-              <a:buFont typeface="Arial" panose="020B0604020202020204" pitchFamily="34" charset="0"/>
+              <a:rPr lang="en-IN" altLang="en-US" sz="2000" b="1" i="1"/>
+              <a:t>Major loops used in selenium</a:t>
+            </a:r>
+            <a:endParaRPr lang="en-IN" altLang="en-US" sz="2000" b="1" i="1"/>
+          </a:p>
+          <a:p>
+            <a:pPr marL="0" indent="0">
               <a:buNone/>
             </a:pPr>
-            <a:r>
-              <a:rPr lang="en-IN" altLang="en-US" i="1"/>
-              <a:t>while (&lt;condition&gt;{</a:t>
-            </a:r>
-            <a:endParaRPr lang="en-IN" altLang="en-US" i="1"/>
-          </a:p>
-          <a:p>
-            <a:pPr indent="0">
-              <a:buFont typeface="Arial" panose="020B0604020202020204" pitchFamily="34" charset="0"/>
+            <a:endParaRPr lang="en-IN" altLang="en-US" sz="2000"/>
+          </a:p>
+          <a:p>
+            <a:pPr marL="0" indent="0">
               <a:buNone/>
             </a:pPr>
             <a:r>
-              <a:rPr lang="en-IN" altLang="en-US" i="1"/>
+              <a:rPr lang="en-IN" altLang="en-US" sz="2000" b="1"/>
+              <a:t>If loop</a:t>
+            </a:r>
+            <a:endParaRPr lang="en-IN" altLang="en-US" sz="2000" b="1"/>
+          </a:p>
+          <a:p>
+            <a:pPr marL="0" indent="0">
+              <a:buNone/>
+            </a:pPr>
+            <a:endParaRPr lang="en-IN" altLang="en-US" sz="1800" i="1"/>
+          </a:p>
+          <a:p>
+            <a:pPr marL="0" indent="0">
+              <a:buNone/>
+            </a:pPr>
+            <a:r>
+              <a:rPr lang="en-IN" altLang="en-US" sz="1800" i="1"/>
+              <a:t>if(&lt;condition&gt;){</a:t>
+            </a:r>
+            <a:endParaRPr lang="en-IN" altLang="en-US" sz="1800" i="1"/>
+          </a:p>
+          <a:p>
+            <a:pPr marL="0" indent="0">
+              <a:buNone/>
+            </a:pPr>
+            <a:r>
+              <a:rPr lang="en-IN" altLang="en-US" sz="1800" i="1"/>
               <a:t>	</a:t>
             </a:r>
             <a:r>
-              <a:rPr lang="en-IN" altLang="en-US" i="1">
+              <a:rPr lang="en-IN" altLang="en-US" sz="1800" i="1">
                 <a:sym typeface="+mn-ea"/>
               </a:rPr>
               <a:t>&lt;code to be executed&gt;</a:t>
             </a:r>
-            <a:r>
-              <a:rPr lang="en-IN" altLang="en-US" i="1"/>
+            <a:endParaRPr lang="en-IN" altLang="en-US" sz="1800" i="1">
+              <a:sym typeface="+mn-ea"/>
+            </a:endParaRPr>
+          </a:p>
+          <a:p>
+            <a:pPr marL="0" indent="0">
+              <a:buNone/>
+            </a:pPr>
+            <a:r>
+              <a:rPr lang="en-IN" altLang="en-US" sz="1800" i="1"/>
+              <a:t>}else{</a:t>
+            </a:r>
+            <a:endParaRPr lang="en-IN" altLang="en-US" sz="1800" i="1"/>
+          </a:p>
+          <a:p>
+            <a:pPr marL="0" indent="0">
+              <a:buNone/>
+            </a:pPr>
+            <a:r>
+              <a:rPr lang="en-IN" altLang="en-US" sz="1800" i="1"/>
+              <a:t>	</a:t>
+            </a:r>
+            <a:r>
+              <a:rPr lang="en-IN" altLang="en-US" sz="1800" i="1">
+                <a:sym typeface="+mn-ea"/>
+              </a:rPr>
+              <a:t>&lt;code to be executed&gt;</a:t>
+            </a:r>
+            <a:endParaRPr lang="en-IN" altLang="en-US" sz="1800" i="1">
+              <a:sym typeface="+mn-ea"/>
+            </a:endParaRPr>
+          </a:p>
+          <a:p>
+            <a:pPr marL="0" indent="0">
+              <a:buNone/>
+            </a:pPr>
+            <a:r>
+              <a:rPr lang="en-IN" altLang="en-US" sz="1800" i="1"/>
               <a:t>}</a:t>
             </a:r>
-            <a:endParaRPr lang="en-IN" altLang="en-US" i="1"/>
-          </a:p>
-          <a:p>
-            <a:pPr indent="0">
-              <a:buFont typeface="Arial" panose="020B0604020202020204" pitchFamily="34" charset="0"/>
-              <a:buNone/>
-            </a:pPr>
-            <a:endParaRPr lang="en-IN" altLang="en-US" i="1"/>
-          </a:p>
-          <a:p>
-            <a:pPr indent="0">
-              <a:buFont typeface="Arial" panose="020B0604020202020204" pitchFamily="34" charset="0"/>
-              <a:buNone/>
-            </a:pPr>
-            <a:r>
-              <a:rPr lang="en-IN" altLang="en-US" i="1"/>
-              <a:t>do{</a:t>
-            </a:r>
-            <a:endParaRPr lang="en-IN" altLang="en-US" i="1"/>
-          </a:p>
-          <a:p>
-            <a:pPr indent="0">
-              <a:buFont typeface="Arial" panose="020B0604020202020204" pitchFamily="34" charset="0"/>
-              <a:buNone/>
-            </a:pPr>
-            <a:r>
-              <a:rPr lang="en-IN" altLang="en-US" i="1"/>
-              <a:t>	&lt;code to be executed&gt;</a:t>
-            </a:r>
-            <a:endParaRPr lang="en-IN" altLang="en-US" i="1"/>
-          </a:p>
-          <a:p>
-            <a:pPr indent="0">
-              <a:buFont typeface="Arial" panose="020B0604020202020204" pitchFamily="34" charset="0"/>
-              <a:buNone/>
-            </a:pPr>
-            <a:r>
-              <a:rPr lang="en-IN" altLang="en-US" i="1"/>
-              <a:t>}</a:t>
-            </a:r>
-            <a:endParaRPr lang="en-IN" altLang="en-US" i="1"/>
-          </a:p>
-          <a:p>
-            <a:pPr indent="0">
-              <a:buFont typeface="Arial" panose="020B0604020202020204" pitchFamily="34" charset="0"/>
-              <a:buNone/>
-            </a:pPr>
-            <a:r>
-              <a:rPr lang="en-IN" altLang="en-US" i="1"/>
-              <a:t>while(&lt;condition&gt;);</a:t>
-            </a:r>
-            <a:endParaRPr lang="en-IN" altLang="en-US" i="1"/>
-          </a:p>
-          <a:p>
-            <a:pPr indent="0">
-              <a:buFont typeface="Arial" panose="020B0604020202020204" pitchFamily="34" charset="0"/>
-              <a:buNone/>
-            </a:pPr>
-            <a:endParaRPr lang="en-IN" altLang="en-US"/>
-          </a:p>
-          <a:p>
-            <a:pPr marL="285750" indent="-285750">
-              <a:buFont typeface="Arial" panose="020B0604020202020204" pitchFamily="34" charset="0"/>
-              <a:buChar char="•"/>
-            </a:pPr>
-            <a:r>
-              <a:rPr lang="en-IN" altLang="en-US" b="1"/>
-              <a:t>for loop</a:t>
-            </a:r>
-            <a:endParaRPr lang="en-IN" altLang="en-US" b="1"/>
-          </a:p>
-          <a:p>
-            <a:pPr indent="0">
-              <a:buFont typeface="Arial" panose="020B0604020202020204" pitchFamily="34" charset="0"/>
-              <a:buNone/>
-            </a:pPr>
-            <a:r>
-              <a:rPr lang="en-IN" altLang="en-US" i="1"/>
-              <a:t>for (&lt;condtion&gt;){</a:t>
-            </a:r>
-            <a:endParaRPr lang="en-IN" altLang="en-US" i="1"/>
-          </a:p>
-          <a:p>
-            <a:pPr indent="0">
-              <a:buFont typeface="Arial" panose="020B0604020202020204" pitchFamily="34" charset="0"/>
-              <a:buNone/>
-            </a:pPr>
-            <a:r>
-              <a:rPr lang="en-IN" altLang="en-US" i="1"/>
-              <a:t>	&lt;code to be executed&gt;</a:t>
-            </a:r>
-            <a:endParaRPr lang="en-IN" altLang="en-US" i="1"/>
-          </a:p>
-          <a:p>
-            <a:pPr indent="0">
-              <a:buFont typeface="Arial" panose="020B0604020202020204" pitchFamily="34" charset="0"/>
-              <a:buNone/>
-            </a:pPr>
-            <a:r>
-              <a:rPr lang="en-IN" altLang="en-US" i="1"/>
-              <a:t>}</a:t>
-            </a:r>
-            <a:endParaRPr lang="en-IN" altLang="en-US" i="1"/>
-          </a:p>
-          <a:p>
-            <a:pPr indent="0">
-              <a:buFont typeface="Arial" panose="020B0604020202020204" pitchFamily="34" charset="0"/>
-              <a:buNone/>
-            </a:pPr>
-            <a:endParaRPr lang="en-IN" altLang="en-US" i="1"/>
-          </a:p>
-          <a:p>
-            <a:pPr indent="0">
-              <a:buFont typeface="Arial" panose="020B0604020202020204" pitchFamily="34" charset="0"/>
-              <a:buNone/>
-            </a:pPr>
-            <a:endParaRPr lang="en-IN" altLang="en-US"/>
+            <a:endParaRPr lang="en-IN" altLang="en-US" sz="1800" i="1"/>
           </a:p>
         </p:txBody>
       </p:sp>
@@ -4738,14 +5260,14 @@
       <p:grpSpPr/>
       <p:sp>
         <p:nvSpPr>
-          <p:cNvPr id="2" name="Text Box 1"/>
+          <p:cNvPr id="5" name="Text Box 4"/>
           <p:cNvSpPr txBox="1"/>
           <p:nvPr/>
         </p:nvSpPr>
         <p:spPr>
           <a:xfrm>
-            <a:off x="1070610" y="494030"/>
-            <a:ext cx="10050780" cy="5384800"/>
+            <a:off x="1068070" y="1007110"/>
+            <a:ext cx="10056495" cy="4246245"/>
           </a:xfrm>
           <a:prstGeom prst="rect">
             <a:avLst/>
@@ -4757,140 +5279,163 @@
             <a:spAutoFit/>
           </a:bodyPr>
           <a:p>
-            <a:pPr algn="l"/>
-            <a:r>
-              <a:rPr lang="en-IN" altLang="en-US" sz="2000" b="1"/>
-              <a:t>Switch case:</a:t>
-            </a:r>
-            <a:endParaRPr lang="en-IN" altLang="en-US" sz="2000" b="1"/>
-          </a:p>
-          <a:p>
-            <a:pPr algn="l"/>
-            <a:endParaRPr lang="en-IN" altLang="en-US"/>
-          </a:p>
-          <a:p>
-            <a:pPr algn="l"/>
+            <a:pPr marL="285750" indent="-285750">
+              <a:buFont typeface="Arial" panose="020B0604020202020204" pitchFamily="34" charset="0"/>
+              <a:buChar char="•"/>
+            </a:pPr>
+            <a:r>
+              <a:rPr lang="en-IN" altLang="en-US" b="1"/>
+              <a:t>while loop</a:t>
+            </a:r>
+            <a:endParaRPr lang="en-IN" altLang="en-US" b="1"/>
+          </a:p>
+          <a:p>
+            <a:pPr indent="0">
+              <a:buFont typeface="Arial" panose="020B0604020202020204" pitchFamily="34" charset="0"/>
+              <a:buNone/>
+            </a:pPr>
             <a:r>
               <a:rPr lang="en-IN" altLang="en-US" i="1"/>
-              <a:t>switch(&lt;condition&gt;){</a:t>
+              <a:t>while (&lt;condition&gt;{</a:t>
             </a:r>
             <a:endParaRPr lang="en-IN" altLang="en-US" i="1"/>
           </a:p>
           <a:p>
-            <a:pPr algn="l"/>
-            <a:endParaRPr lang="en-IN" altLang="en-US" i="1"/>
-          </a:p>
-          <a:p>
-            <a:pPr algn="l"/>
+            <a:pPr indent="0">
+              <a:buFont typeface="Arial" panose="020B0604020202020204" pitchFamily="34" charset="0"/>
+              <a:buNone/>
+            </a:pPr>
             <a:r>
               <a:rPr lang="en-IN" altLang="en-US" i="1"/>
-              <a:t>case 1:</a:t>
-            </a:r>
-            <a:endParaRPr lang="en-IN" altLang="en-US" i="1"/>
-          </a:p>
-          <a:p>
-            <a:pPr algn="l"/>
-            <a:r>
-              <a:rPr lang="en-IN" altLang="en-US" i="1"/>
-              <a:t>&lt;code to be executed&gt;</a:t>
-            </a:r>
-            <a:endParaRPr lang="en-IN" altLang="en-US" i="1"/>
-          </a:p>
-          <a:p>
-            <a:pPr algn="l"/>
-            <a:r>
-              <a:rPr lang="en-IN" altLang="en-US" i="1"/>
-              <a:t>break;</a:t>
-            </a:r>
-            <a:endParaRPr lang="en-IN" altLang="en-US" i="1"/>
-          </a:p>
-          <a:p>
-            <a:pPr algn="l"/>
-            <a:endParaRPr lang="en-IN" altLang="en-US" i="1"/>
-          </a:p>
-          <a:p>
-            <a:pPr algn="l"/>
-            <a:r>
-              <a:rPr lang="en-IN" altLang="en-US" i="1"/>
-              <a:t>Case 2:</a:t>
-            </a:r>
-            <a:endParaRPr lang="en-IN" altLang="en-US" i="1"/>
-          </a:p>
-          <a:p>
-            <a:pPr algn="l"/>
+              <a:t>	</a:t>
+            </a:r>
             <a:r>
               <a:rPr lang="en-IN" altLang="en-US" i="1">
                 <a:sym typeface="+mn-ea"/>
               </a:rPr>
               <a:t>&lt;code to be executed&gt;</a:t>
             </a:r>
-            <a:endParaRPr lang="en-IN" altLang="en-US" i="1"/>
-          </a:p>
-          <a:p>
-            <a:pPr algn="l"/>
-            <a:r>
-              <a:rPr lang="en-IN" altLang="en-US" i="1">
-                <a:sym typeface="+mn-ea"/>
-              </a:rPr>
-              <a:t>break;</a:t>
-            </a:r>
-            <a:endParaRPr lang="en-IN" altLang="en-US" i="1"/>
-          </a:p>
-          <a:p>
-            <a:pPr algn="l"/>
-            <a:endParaRPr lang="en-IN" altLang="en-US" i="1"/>
-          </a:p>
-          <a:p>
-            <a:pPr algn="l"/>
-            <a:r>
-              <a:rPr lang="en-IN" altLang="en-US" i="1"/>
-              <a:t>Case n:</a:t>
-            </a:r>
-            <a:endParaRPr lang="en-IN" altLang="en-US" i="1"/>
-          </a:p>
-          <a:p>
-            <a:pPr algn="l"/>
-            <a:r>
-              <a:rPr lang="en-IN" altLang="en-US" i="1">
-                <a:sym typeface="+mn-ea"/>
-              </a:rPr>
-              <a:t>&lt;code to be executed&gt;</a:t>
-            </a:r>
-            <a:endParaRPr lang="en-IN" altLang="en-US" i="1"/>
-          </a:p>
-          <a:p>
-            <a:pPr algn="l"/>
-            <a:r>
-              <a:rPr lang="en-IN" altLang="en-US" i="1">
-                <a:sym typeface="+mn-ea"/>
-              </a:rPr>
-              <a:t>break;</a:t>
-            </a:r>
-            <a:endParaRPr lang="en-IN" altLang="en-US" i="1"/>
-          </a:p>
-          <a:p>
-            <a:pPr algn="l"/>
-            <a:endParaRPr lang="en-IN" altLang="en-US" i="1"/>
-          </a:p>
-          <a:p>
-            <a:pPr algn="l"/>
-            <a:r>
-              <a:rPr lang="en-IN" altLang="en-US" i="1"/>
-              <a:t>default:</a:t>
-            </a:r>
-            <a:endParaRPr lang="en-IN" altLang="en-US" i="1"/>
-          </a:p>
-          <a:p>
-            <a:pPr algn="l"/>
-            <a:endParaRPr lang="en-IN" altLang="en-US" i="1"/>
-          </a:p>
-          <a:p>
-            <a:pPr algn="l"/>
             <a:r>
               <a:rPr lang="en-IN" altLang="en-US" i="1"/>
               <a:t>}</a:t>
             </a:r>
             <a:endParaRPr lang="en-IN" altLang="en-US" i="1"/>
+          </a:p>
+          <a:p>
+            <a:pPr indent="0">
+              <a:buFont typeface="Arial" panose="020B0604020202020204" pitchFamily="34" charset="0"/>
+              <a:buNone/>
+            </a:pPr>
+            <a:endParaRPr lang="en-IN" altLang="en-US" i="1"/>
+          </a:p>
+          <a:p>
+            <a:pPr indent="0">
+              <a:buFont typeface="Arial" panose="020B0604020202020204" pitchFamily="34" charset="0"/>
+              <a:buNone/>
+            </a:pPr>
+            <a:r>
+              <a:rPr lang="en-IN" altLang="en-US" i="1"/>
+              <a:t>do{</a:t>
+            </a:r>
+            <a:endParaRPr lang="en-IN" altLang="en-US" i="1"/>
+          </a:p>
+          <a:p>
+            <a:pPr indent="0">
+              <a:buFont typeface="Arial" panose="020B0604020202020204" pitchFamily="34" charset="0"/>
+              <a:buNone/>
+            </a:pPr>
+            <a:r>
+              <a:rPr lang="en-IN" altLang="en-US" i="1"/>
+              <a:t>	&lt;code to be executed&gt;</a:t>
+            </a:r>
+            <a:endParaRPr lang="en-IN" altLang="en-US" i="1"/>
+          </a:p>
+          <a:p>
+            <a:pPr indent="0">
+              <a:buFont typeface="Arial" panose="020B0604020202020204" pitchFamily="34" charset="0"/>
+              <a:buNone/>
+            </a:pPr>
+            <a:r>
+              <a:rPr lang="en-IN" altLang="en-US" i="1"/>
+              <a:t>}</a:t>
+            </a:r>
+            <a:endParaRPr lang="en-IN" altLang="en-US" i="1"/>
+          </a:p>
+          <a:p>
+            <a:pPr indent="0">
+              <a:buFont typeface="Arial" panose="020B0604020202020204" pitchFamily="34" charset="0"/>
+              <a:buNone/>
+            </a:pPr>
+            <a:r>
+              <a:rPr lang="en-IN" altLang="en-US" i="1"/>
+              <a:t>while(&lt;condition&gt;);</a:t>
+            </a:r>
+            <a:endParaRPr lang="en-IN" altLang="en-US" i="1"/>
+          </a:p>
+          <a:p>
+            <a:pPr indent="0">
+              <a:buFont typeface="Arial" panose="020B0604020202020204" pitchFamily="34" charset="0"/>
+              <a:buNone/>
+            </a:pPr>
+            <a:endParaRPr lang="en-IN" altLang="en-US"/>
+          </a:p>
+          <a:p>
+            <a:pPr marL="285750" indent="-285750">
+              <a:buFont typeface="Arial" panose="020B0604020202020204" pitchFamily="34" charset="0"/>
+              <a:buChar char="•"/>
+            </a:pPr>
+            <a:r>
+              <a:rPr lang="en-IN" altLang="en-US" b="1"/>
+              <a:t>for loop</a:t>
+            </a:r>
+            <a:endParaRPr lang="en-IN" altLang="en-US" b="1"/>
+          </a:p>
+          <a:p>
+            <a:pPr indent="0">
+              <a:buFont typeface="Arial" panose="020B0604020202020204" pitchFamily="34" charset="0"/>
+              <a:buNone/>
+            </a:pPr>
+            <a:r>
+              <a:rPr lang="en-IN" altLang="en-US" i="1"/>
+              <a:t>for (&lt;condtion&gt;){</a:t>
+            </a:r>
+            <a:endParaRPr lang="en-IN" altLang="en-US" i="1"/>
+          </a:p>
+          <a:p>
+            <a:pPr indent="0">
+              <a:buFont typeface="Arial" panose="020B0604020202020204" pitchFamily="34" charset="0"/>
+              <a:buNone/>
+            </a:pPr>
+            <a:r>
+              <a:rPr lang="en-IN" altLang="en-US" i="1"/>
+              <a:t>	&lt;code to be executed&gt;</a:t>
+            </a:r>
+            <a:endParaRPr lang="en-IN" altLang="en-US" i="1"/>
+          </a:p>
+          <a:p>
+            <a:pPr indent="0">
+              <a:buFont typeface="Arial" panose="020B0604020202020204" pitchFamily="34" charset="0"/>
+              <a:buNone/>
+            </a:pPr>
+            <a:r>
+              <a:rPr lang="en-IN" altLang="en-US" i="1"/>
+              <a:t>}</a:t>
+            </a:r>
+            <a:endParaRPr lang="en-IN" altLang="en-US" i="1"/>
+          </a:p>
+          <a:p>
+            <a:pPr indent="0">
+              <a:buFont typeface="Arial" panose="020B0604020202020204" pitchFamily="34" charset="0"/>
+              <a:buNone/>
+            </a:pPr>
+            <a:endParaRPr lang="en-IN" altLang="en-US" i="1"/>
+          </a:p>
+          <a:p>
+            <a:pPr indent="0">
+              <a:buFont typeface="Arial" panose="020B0604020202020204" pitchFamily="34" charset="0"/>
+              <a:buNone/>
+            </a:pPr>
+            <a:endParaRPr lang="en-IN" altLang="en-US"/>
           </a:p>
         </p:txBody>
       </p:sp>
@@ -5766,4 +6311,263 @@
     </a:ext>
   </a:extLst>
 </a:theme>
+</file>
+
+<file path=ppt/theme/theme2.xml><?xml version="1.0" encoding="utf-8"?>
+<a:theme xmlns:a="http://schemas.openxmlformats.org/drawingml/2006/main" name="Office Theme">
+  <a:themeElements>
+    <a:clrScheme name="Office">
+      <a:dk1>
+        <a:sysClr val="windowText" lastClr="000000"/>
+      </a:dk1>
+      <a:lt1>
+        <a:sysClr val="window" lastClr="FFFFFF"/>
+      </a:lt1>
+      <a:dk2>
+        <a:srgbClr val="44546A"/>
+      </a:dk2>
+      <a:lt2>
+        <a:srgbClr val="E7E6E6"/>
+      </a:lt2>
+      <a:accent1>
+        <a:srgbClr val="5B9BD5"/>
+      </a:accent1>
+      <a:accent2>
+        <a:srgbClr val="ED7D31"/>
+      </a:accent2>
+      <a:accent3>
+        <a:srgbClr val="A5A5A5"/>
+      </a:accent3>
+      <a:accent4>
+        <a:srgbClr val="FFC000"/>
+      </a:accent4>
+      <a:accent5>
+        <a:srgbClr val="4472C4"/>
+      </a:accent5>
+      <a:accent6>
+        <a:srgbClr val="70AD47"/>
+      </a:accent6>
+      <a:hlink>
+        <a:srgbClr val="0563C1"/>
+      </a:hlink>
+      <a:folHlink>
+        <a:srgbClr val="954F72"/>
+      </a:folHlink>
+    </a:clrScheme>
+    <a:fontScheme name="Office">
+      <a:majorFont>
+        <a:latin typeface="Calibri Light"/>
+        <a:ea typeface=""/>
+        <a:cs typeface=""/>
+        <a:font script="Jpan" typeface="ＭＳ Ｐゴシック"/>
+        <a:font script="Hang" typeface="맑은 고딕"/>
+        <a:font script="Hans" typeface="宋体"/>
+        <a:font script="Hant" typeface="新細明體"/>
+        <a:font script="Arab" typeface="Times New Roman"/>
+        <a:font script="Hebr" typeface="Times New Roman"/>
+        <a:font script="Thai" typeface="Angsana New"/>
+        <a:font script="Ethi" typeface="Nyala"/>
+        <a:font script="Beng" typeface="Vrinda"/>
+        <a:font script="Gujr" typeface="Shruti"/>
+        <a:font script="Khmr" typeface="MoolBoran"/>
+        <a:font script="Knda" typeface="Tunga"/>
+        <a:font script="Guru" typeface="Raavi"/>
+        <a:font script="Cans" typeface="Euphemia"/>
+        <a:font script="Cher" typeface="Plantagenet Cherokee"/>
+        <a:font script="Yiii" typeface="Microsoft Yi Baiti"/>
+        <a:font script="Tibt" typeface="Microsoft Himalaya"/>
+        <a:font script="Thaa" typeface="MV Boli"/>
+        <a:font script="Deva" typeface="Mangal"/>
+        <a:font script="Telu" typeface="Gautami"/>
+        <a:font script="Taml" typeface="Latha"/>
+        <a:font script="Syrc" typeface="Estrangelo Edessa"/>
+        <a:font script="Orya" typeface="Kalinga"/>
+        <a:font script="Mlym" typeface="Kartika"/>
+        <a:font script="Laoo" typeface="DokChampa"/>
+        <a:font script="Sinh" typeface="Iskoola Pota"/>
+        <a:font script="Mong" typeface="Mongolian Baiti"/>
+        <a:font script="Viet" typeface="Times New Roman"/>
+        <a:font script="Uigh" typeface="Microsoft Uighur"/>
+        <a:font script="Geor" typeface="Sylfaen"/>
+      </a:majorFont>
+      <a:minorFont>
+        <a:latin typeface="Calibri"/>
+        <a:ea typeface=""/>
+        <a:cs typeface=""/>
+        <a:font script="Jpan" typeface="ＭＳ Ｐゴシック"/>
+        <a:font script="Hang" typeface="맑은 고딕"/>
+        <a:font script="Hans" typeface="宋体"/>
+        <a:font script="Hant" typeface="新細明體"/>
+        <a:font script="Arab" typeface="Arial"/>
+        <a:font script="Hebr" typeface="Arial"/>
+        <a:font script="Thai" typeface="Cordia New"/>
+        <a:font script="Ethi" typeface="Nyala"/>
+        <a:font script="Beng" typeface="Vrinda"/>
+        <a:font script="Gujr" typeface="Shruti"/>
+        <a:font script="Khmr" typeface="DaunPenh"/>
+        <a:font script="Knda" typeface="Tunga"/>
+        <a:font script="Guru" typeface="Raavi"/>
+        <a:font script="Cans" typeface="Euphemia"/>
+        <a:font script="Cher" typeface="Plantagenet Cherokee"/>
+        <a:font script="Yiii" typeface="Microsoft Yi Baiti"/>
+        <a:font script="Tibt" typeface="Microsoft Himalaya"/>
+        <a:font script="Thaa" typeface="MV Boli"/>
+        <a:font script="Deva" typeface="Mangal"/>
+        <a:font script="Telu" typeface="Gautami"/>
+        <a:font script="Taml" typeface="Latha"/>
+        <a:font script="Syrc" typeface="Estrangelo Edessa"/>
+        <a:font script="Orya" typeface="Kalinga"/>
+        <a:font script="Mlym" typeface="Kartika"/>
+        <a:font script="Laoo" typeface="DokChampa"/>
+        <a:font script="Sinh" typeface="Iskoola Pota"/>
+        <a:font script="Mong" typeface="Mongolian Baiti"/>
+        <a:font script="Viet" typeface="Arial"/>
+        <a:font script="Uigh" typeface="Microsoft Uighur"/>
+        <a:font script="Geor" typeface="Sylfaen"/>
+      </a:minorFont>
+    </a:fontScheme>
+    <a:fmtScheme name="Office">
+      <a:fillStyleLst>
+        <a:solidFill>
+          <a:schemeClr val="phClr"/>
+        </a:solidFill>
+        <a:gradFill rotWithShape="1">
+          <a:gsLst>
+            <a:gs pos="0">
+              <a:schemeClr val="phClr">
+                <a:lumMod val="110000"/>
+                <a:satMod val="105000"/>
+                <a:tint val="67000"/>
+              </a:schemeClr>
+            </a:gs>
+            <a:gs pos="50000">
+              <a:schemeClr val="phClr">
+                <a:lumMod val="105000"/>
+                <a:satMod val="103000"/>
+                <a:tint val="73000"/>
+              </a:schemeClr>
+            </a:gs>
+            <a:gs pos="100000">
+              <a:schemeClr val="phClr">
+                <a:lumMod val="105000"/>
+                <a:satMod val="109000"/>
+                <a:tint val="81000"/>
+              </a:schemeClr>
+            </a:gs>
+          </a:gsLst>
+          <a:lin ang="5400000" scaled="0"/>
+        </a:gradFill>
+        <a:gradFill rotWithShape="1">
+          <a:gsLst>
+            <a:gs pos="0">
+              <a:schemeClr val="phClr">
+                <a:satMod val="103000"/>
+                <a:lumMod val="102000"/>
+                <a:tint val="94000"/>
+              </a:schemeClr>
+            </a:gs>
+            <a:gs pos="50000">
+              <a:schemeClr val="phClr">
+                <a:satMod val="110000"/>
+                <a:lumMod val="100000"/>
+                <a:shade val="100000"/>
+              </a:schemeClr>
+            </a:gs>
+            <a:gs pos="100000">
+              <a:schemeClr val="phClr">
+                <a:lumMod val="99000"/>
+                <a:satMod val="120000"/>
+                <a:shade val="78000"/>
+              </a:schemeClr>
+            </a:gs>
+          </a:gsLst>
+          <a:lin ang="5400000" scaled="0"/>
+        </a:gradFill>
+      </a:fillStyleLst>
+      <a:lnStyleLst>
+        <a:ln w="6350" cap="flat" cmpd="sng" algn="ctr">
+          <a:solidFill>
+            <a:schemeClr val="phClr"/>
+          </a:solidFill>
+          <a:prstDash val="solid"/>
+          <a:miter lim="800000"/>
+        </a:ln>
+        <a:ln w="12700" cap="flat" cmpd="sng" algn="ctr">
+          <a:solidFill>
+            <a:schemeClr val="phClr"/>
+          </a:solidFill>
+          <a:prstDash val="solid"/>
+          <a:miter lim="800000"/>
+        </a:ln>
+        <a:ln w="19050" cap="flat" cmpd="sng" algn="ctr">
+          <a:solidFill>
+            <a:schemeClr val="phClr"/>
+          </a:solidFill>
+          <a:prstDash val="solid"/>
+          <a:miter lim="800000"/>
+        </a:ln>
+      </a:lnStyleLst>
+      <a:effectStyleLst>
+        <a:effectStyle>
+          <a:effectLst/>
+        </a:effectStyle>
+        <a:effectStyle>
+          <a:effectLst/>
+        </a:effectStyle>
+        <a:effectStyle>
+          <a:effectLst>
+            <a:outerShdw blurRad="57150" dist="19050" dir="5400000" algn="ctr" rotWithShape="0">
+              <a:srgbClr val="000000">
+                <a:alpha val="63000"/>
+              </a:srgbClr>
+            </a:outerShdw>
+          </a:effectLst>
+        </a:effectStyle>
+      </a:effectStyleLst>
+      <a:bgFillStyleLst>
+        <a:solidFill>
+          <a:schemeClr val="phClr"/>
+        </a:solidFill>
+        <a:solidFill>
+          <a:schemeClr val="phClr">
+            <a:tint val="95000"/>
+            <a:satMod val="170000"/>
+          </a:schemeClr>
+        </a:solidFill>
+        <a:gradFill rotWithShape="1">
+          <a:gsLst>
+            <a:gs pos="0">
+              <a:schemeClr val="phClr">
+                <a:tint val="93000"/>
+                <a:satMod val="150000"/>
+                <a:shade val="98000"/>
+                <a:lumMod val="102000"/>
+              </a:schemeClr>
+            </a:gs>
+            <a:gs pos="50000">
+              <a:schemeClr val="phClr">
+                <a:tint val="98000"/>
+                <a:satMod val="130000"/>
+                <a:shade val="90000"/>
+                <a:lumMod val="103000"/>
+              </a:schemeClr>
+            </a:gs>
+            <a:gs pos="100000">
+              <a:schemeClr val="phClr">
+                <a:shade val="63000"/>
+                <a:satMod val="120000"/>
+              </a:schemeClr>
+            </a:gs>
+          </a:gsLst>
+          <a:lin ang="5400000" scaled="0"/>
+        </a:gradFill>
+      </a:bgFillStyleLst>
+    </a:fmtScheme>
+  </a:themeElements>
+  <a:extLst>
+    <a:ext uri="{05A4C25C-085E-4340-85A3-A5531E510DB2}">
+      <thm15:themeFamily xmlns:thm15="http://schemas.microsoft.com/office/thememl/2012/main" name="Office Theme" id="{62F939B6-93AF-4DB8-9C6B-D6C7DFDC589F}" vid="{4A3C46E8-61CC-4603-A589-7422A47A8E4A}"/>
+    </a:ext>
+  </a:extLst>
+</a:theme>
 </file>
--- a/Java_Basics.pptx
+++ b/Java_Basics.pptx
@@ -13,11 +13,12 @@
     <p:sldId id="264" r:id="rId5"/>
     <p:sldId id="257" r:id="rId6"/>
     <p:sldId id="271" r:id="rId7"/>
-    <p:sldId id="258" r:id="rId9"/>
-    <p:sldId id="259" r:id="rId10"/>
-    <p:sldId id="260" r:id="rId11"/>
-    <p:sldId id="261" r:id="rId12"/>
-    <p:sldId id="262" r:id="rId13"/>
+    <p:sldId id="277" r:id="rId9"/>
+    <p:sldId id="258" r:id="rId10"/>
+    <p:sldId id="259" r:id="rId11"/>
+    <p:sldId id="260" r:id="rId12"/>
+    <p:sldId id="261" r:id="rId13"/>
+    <p:sldId id="262" r:id="rId14"/>
   </p:sldIdLst>
   <p:sldSz cx="12192000" cy="6858000"/>
   <p:notesSz cx="6858000" cy="9144000"/>
@@ -3757,26 +3758,28 @@
           </a:p>
           <a:p>
             <a:r>
+              <a:rPr lang="en-IN" altLang="en-US" sz="2400"/>
+              <a:t>Arrays</a:t>
+            </a:r>
+            <a:endParaRPr lang="en-IN" altLang="en-US" sz="2400"/>
+          </a:p>
+          <a:p>
+            <a:r>
+              <a:rPr lang="en-IN" altLang="en-US" sz="2400">
+                <a:sym typeface="+mn-ea"/>
+              </a:rPr>
+              <a:t>Array lists</a:t>
+            </a:r>
+            <a:endParaRPr lang="en-IN" altLang="en-US" sz="2400">
+              <a:sym typeface="+mn-ea"/>
+            </a:endParaRPr>
+          </a:p>
+          <a:p>
+            <a:r>
               <a:rPr lang="en-IN" altLang="en-US" sz="2400">
                 <a:sym typeface="+mn-ea"/>
               </a:rPr>
               <a:t>Strings Class</a:t>
-            </a:r>
-            <a:endParaRPr lang="en-IN" altLang="en-US" sz="2400"/>
-          </a:p>
-          <a:p>
-            <a:r>
-              <a:rPr lang="en-IN" altLang="en-US" sz="2400"/>
-              <a:t>Arrays</a:t>
-            </a:r>
-            <a:endParaRPr lang="en-IN" altLang="en-US" sz="2400"/>
-          </a:p>
-          <a:p>
-            <a:r>
-              <a:rPr lang="en-IN" altLang="en-US" sz="2400">
-                <a:sym typeface="+mn-ea"/>
-              </a:rPr>
-              <a:t>Array lists</a:t>
             </a:r>
             <a:endParaRPr lang="en-IN" altLang="en-US" sz="2400"/>
           </a:p>
@@ -3809,6 +3812,205 @@
       <p:grpSpPr/>
       <p:sp>
         <p:nvSpPr>
+          <p:cNvPr id="5" name="Text Box 4"/>
+          <p:cNvSpPr txBox="1"/>
+          <p:nvPr/>
+        </p:nvSpPr>
+        <p:spPr>
+          <a:xfrm>
+            <a:off x="1068070" y="1007110"/>
+            <a:ext cx="10056495" cy="4246245"/>
+          </a:xfrm>
+          <a:prstGeom prst="rect">
+            <a:avLst/>
+          </a:prstGeom>
+          <a:noFill/>
+        </p:spPr>
+        <p:txBody>
+          <a:bodyPr wrap="square" rtlCol="0">
+            <a:spAutoFit/>
+          </a:bodyPr>
+          <a:p>
+            <a:pPr marL="285750" indent="-285750">
+              <a:buFont typeface="Arial" panose="020B0604020202020204" pitchFamily="34" charset="0"/>
+              <a:buChar char="•"/>
+            </a:pPr>
+            <a:r>
+              <a:rPr lang="en-IN" altLang="en-US" b="1"/>
+              <a:t>while loop</a:t>
+            </a:r>
+            <a:endParaRPr lang="en-IN" altLang="en-US" b="1"/>
+          </a:p>
+          <a:p>
+            <a:pPr indent="0">
+              <a:buFont typeface="Arial" panose="020B0604020202020204" pitchFamily="34" charset="0"/>
+              <a:buNone/>
+            </a:pPr>
+            <a:r>
+              <a:rPr lang="en-IN" altLang="en-US" i="1"/>
+              <a:t>while (&lt;condition&gt;{</a:t>
+            </a:r>
+            <a:endParaRPr lang="en-IN" altLang="en-US" i="1"/>
+          </a:p>
+          <a:p>
+            <a:pPr indent="0">
+              <a:buFont typeface="Arial" panose="020B0604020202020204" pitchFamily="34" charset="0"/>
+              <a:buNone/>
+            </a:pPr>
+            <a:r>
+              <a:rPr lang="en-IN" altLang="en-US" i="1"/>
+              <a:t>	</a:t>
+            </a:r>
+            <a:r>
+              <a:rPr lang="en-IN" altLang="en-US" i="1">
+                <a:sym typeface="+mn-ea"/>
+              </a:rPr>
+              <a:t>&lt;code to be executed&gt;</a:t>
+            </a:r>
+            <a:r>
+              <a:rPr lang="en-IN" altLang="en-US" i="1"/>
+              <a:t>}</a:t>
+            </a:r>
+            <a:endParaRPr lang="en-IN" altLang="en-US" i="1"/>
+          </a:p>
+          <a:p>
+            <a:pPr indent="0">
+              <a:buFont typeface="Arial" panose="020B0604020202020204" pitchFamily="34" charset="0"/>
+              <a:buNone/>
+            </a:pPr>
+            <a:endParaRPr lang="en-IN" altLang="en-US" i="1"/>
+          </a:p>
+          <a:p>
+            <a:pPr indent="0">
+              <a:buFont typeface="Arial" panose="020B0604020202020204" pitchFamily="34" charset="0"/>
+              <a:buNone/>
+            </a:pPr>
+            <a:r>
+              <a:rPr lang="en-IN" altLang="en-US" i="1"/>
+              <a:t>do{</a:t>
+            </a:r>
+            <a:endParaRPr lang="en-IN" altLang="en-US" i="1"/>
+          </a:p>
+          <a:p>
+            <a:pPr indent="0">
+              <a:buFont typeface="Arial" panose="020B0604020202020204" pitchFamily="34" charset="0"/>
+              <a:buNone/>
+            </a:pPr>
+            <a:r>
+              <a:rPr lang="en-IN" altLang="en-US" i="1"/>
+              <a:t>	&lt;code to be executed&gt;</a:t>
+            </a:r>
+            <a:endParaRPr lang="en-IN" altLang="en-US" i="1"/>
+          </a:p>
+          <a:p>
+            <a:pPr indent="0">
+              <a:buFont typeface="Arial" panose="020B0604020202020204" pitchFamily="34" charset="0"/>
+              <a:buNone/>
+            </a:pPr>
+            <a:r>
+              <a:rPr lang="en-IN" altLang="en-US" i="1"/>
+              <a:t>}</a:t>
+            </a:r>
+            <a:endParaRPr lang="en-IN" altLang="en-US" i="1"/>
+          </a:p>
+          <a:p>
+            <a:pPr indent="0">
+              <a:buFont typeface="Arial" panose="020B0604020202020204" pitchFamily="34" charset="0"/>
+              <a:buNone/>
+            </a:pPr>
+            <a:r>
+              <a:rPr lang="en-IN" altLang="en-US" i="1"/>
+              <a:t>while(&lt;condition&gt;);</a:t>
+            </a:r>
+            <a:endParaRPr lang="en-IN" altLang="en-US" i="1"/>
+          </a:p>
+          <a:p>
+            <a:pPr indent="0">
+              <a:buFont typeface="Arial" panose="020B0604020202020204" pitchFamily="34" charset="0"/>
+              <a:buNone/>
+            </a:pPr>
+            <a:endParaRPr lang="en-IN" altLang="en-US"/>
+          </a:p>
+          <a:p>
+            <a:pPr marL="285750" indent="-285750">
+              <a:buFont typeface="Arial" panose="020B0604020202020204" pitchFamily="34" charset="0"/>
+              <a:buChar char="•"/>
+            </a:pPr>
+            <a:r>
+              <a:rPr lang="en-IN" altLang="en-US" b="1"/>
+              <a:t>for loop</a:t>
+            </a:r>
+            <a:endParaRPr lang="en-IN" altLang="en-US" b="1"/>
+          </a:p>
+          <a:p>
+            <a:pPr indent="0">
+              <a:buFont typeface="Arial" panose="020B0604020202020204" pitchFamily="34" charset="0"/>
+              <a:buNone/>
+            </a:pPr>
+            <a:r>
+              <a:rPr lang="en-IN" altLang="en-US" i="1"/>
+              <a:t>for (&lt;condtion&gt;){</a:t>
+            </a:r>
+            <a:endParaRPr lang="en-IN" altLang="en-US" i="1"/>
+          </a:p>
+          <a:p>
+            <a:pPr indent="0">
+              <a:buFont typeface="Arial" panose="020B0604020202020204" pitchFamily="34" charset="0"/>
+              <a:buNone/>
+            </a:pPr>
+            <a:r>
+              <a:rPr lang="en-IN" altLang="en-US" i="1"/>
+              <a:t>	&lt;code to be executed&gt;</a:t>
+            </a:r>
+            <a:endParaRPr lang="en-IN" altLang="en-US" i="1"/>
+          </a:p>
+          <a:p>
+            <a:pPr indent="0">
+              <a:buFont typeface="Arial" panose="020B0604020202020204" pitchFamily="34" charset="0"/>
+              <a:buNone/>
+            </a:pPr>
+            <a:r>
+              <a:rPr lang="en-IN" altLang="en-US" i="1"/>
+              <a:t>}</a:t>
+            </a:r>
+            <a:endParaRPr lang="en-IN" altLang="en-US" i="1"/>
+          </a:p>
+          <a:p>
+            <a:pPr indent="0">
+              <a:buFont typeface="Arial" panose="020B0604020202020204" pitchFamily="34" charset="0"/>
+              <a:buNone/>
+            </a:pPr>
+            <a:endParaRPr lang="en-IN" altLang="en-US" i="1"/>
+          </a:p>
+          <a:p>
+            <a:pPr indent="0">
+              <a:buFont typeface="Arial" panose="020B0604020202020204" pitchFamily="34" charset="0"/>
+              <a:buNone/>
+            </a:pPr>
+            <a:endParaRPr lang="en-IN" altLang="en-US"/>
+          </a:p>
+        </p:txBody>
+      </p:sp>
+    </p:spTree>
+  </p:cSld>
+  <p:clrMapOvr>
+    <a:masterClrMapping/>
+  </p:clrMapOvr>
+</p:sld>
+</file>
+
+<file path=ppt/slides/slide11.xml><?xml version="1.0" encoding="utf-8"?>
+<p:sld xmlns:a="http://schemas.openxmlformats.org/drawingml/2006/main" xmlns:r="http://schemas.openxmlformats.org/officeDocument/2006/relationships" xmlns:p="http://schemas.openxmlformats.org/presentationml/2006/main">
+  <p:cSld>
+    <p:spTree>
+      <p:nvGrpSpPr>
+        <p:cNvPr id="1" name=""/>
+        <p:cNvGrpSpPr/>
+        <p:nvPr/>
+      </p:nvGrpSpPr>
+      <p:grpSpPr/>
+      <p:sp>
+        <p:nvSpPr>
           <p:cNvPr id="2" name="Text Box 1"/>
           <p:cNvSpPr txBox="1"/>
           <p:nvPr/>
@@ -4735,7 +4937,7 @@
           <a:p>
             <a:pPr algn="ctr"/>
             <a:r>
-              <a:rPr lang="en-IN" altLang="en-US" sz="3200">
+              <a:rPr lang="en-IN" altLang="en-US">
                 <a:ln w="22225">
                   <a:solidFill>
                     <a:schemeClr val="accent2"/>
@@ -4750,9 +4952,9 @@
                 </a:solidFill>
                 <a:effectLst/>
               </a:rPr>
-              <a:t>Arrays</a:t>
-            </a:r>
-            <a:endParaRPr lang="en-IN" altLang="en-US" sz="3200">
+              <a:t>Constructors</a:t>
+            </a:r>
+            <a:endParaRPr lang="en-IN" altLang="en-US">
               <a:ln w="22225">
                 <a:solidFill>
                   <a:schemeClr val="accent2"/>
@@ -4785,94 +4987,65 @@
           <a:bodyPr/>
           <a:p>
             <a:r>
-              <a:rPr lang="en-IN" altLang="en-US" sz="2000"/>
-              <a:t>Arrays are used to store more than one value to the variable</a:t>
-            </a:r>
-            <a:endParaRPr lang="en-IN" altLang="en-US" sz="2000"/>
-          </a:p>
-          <a:p>
-            <a:r>
-              <a:rPr lang="en-IN" altLang="en-US" sz="2000"/>
-              <a:t>Data types defined with [] will be considered as arrays</a:t>
-            </a:r>
-            <a:endParaRPr lang="en-IN" altLang="en-US" sz="2000"/>
-          </a:p>
-          <a:p>
-            <a:r>
-              <a:rPr lang="en-IN" altLang="en-US" sz="2000"/>
-              <a:t>User have to define the size of the array, so that it will hold those many values in the array. In essence the size of the array is static.</a:t>
-            </a:r>
-            <a:endParaRPr lang="en-IN" altLang="en-US" sz="2000"/>
-          </a:p>
-          <a:p>
-            <a:r>
-              <a:rPr lang="en-IN" altLang="en-US" sz="2000"/>
-              <a:t>Once the size is defined, array will hold the storage as per the defined size even if the values are not</a:t>
-            </a:r>
-            <a:endParaRPr lang="en-IN" altLang="en-US" sz="2000"/>
-          </a:p>
-          <a:p>
-            <a:r>
-              <a:rPr lang="en-IN" altLang="en-US" sz="2000"/>
-              <a:t>While storing the values to array, array index starts with 0.</a:t>
-            </a:r>
-            <a:endParaRPr lang="en-IN" altLang="en-US" sz="2000"/>
-          </a:p>
-          <a:p>
-            <a:pPr marL="0" indent="0">
-              <a:buNone/>
-            </a:pPr>
-            <a:r>
-              <a:rPr lang="en-IN" altLang="en-US" sz="2000"/>
-              <a:t>Eg:</a:t>
-            </a:r>
-            <a:endParaRPr lang="en-IN" altLang="en-US" sz="2000"/>
-          </a:p>
-          <a:p>
-            <a:pPr marL="0" indent="0">
-              <a:buNone/>
-            </a:pPr>
-            <a:r>
-              <a:rPr lang="en-IN" altLang="en-US" sz="2000"/>
-              <a:t>int[] i={1,2,3,4,5}</a:t>
-            </a:r>
-            <a:endParaRPr lang="en-IN" altLang="en-US" sz="2000"/>
-          </a:p>
-          <a:p>
-            <a:pPr marL="0" indent="0">
-              <a:buNone/>
-            </a:pPr>
-            <a:endParaRPr lang="en-IN" altLang="en-US" sz="2000"/>
-          </a:p>
-          <a:p>
-            <a:pPr marL="0" indent="0">
-              <a:buNone/>
-            </a:pPr>
-            <a:r>
-              <a:rPr lang="en-IN" altLang="en-US" sz="2000"/>
-              <a:t>int a[]=new int[2]</a:t>
-            </a:r>
-            <a:endParaRPr lang="en-IN" altLang="en-US" sz="2000"/>
-          </a:p>
-          <a:p>
-            <a:pPr marL="0" indent="0">
-              <a:buNone/>
-            </a:pPr>
-            <a:r>
-              <a:rPr lang="en-IN" altLang="en-US" sz="2000"/>
-              <a:t>a[0]=1</a:t>
-            </a:r>
-            <a:endParaRPr lang="en-IN" altLang="en-US" sz="2000"/>
-          </a:p>
-          <a:p>
-            <a:pPr marL="0" indent="0">
-              <a:buNone/>
-            </a:pPr>
-            <a:r>
-              <a:rPr lang="en-IN" altLang="en-US" sz="2000"/>
-              <a:t>a[1]=2</a:t>
-            </a:r>
-            <a:endParaRPr lang="en-IN" altLang="en-US" sz="2000"/>
+              <a:rPr lang="en-IN" altLang="en-US" sz="1800"/>
+              <a:t>Constructor is a special method used to initialize objects</a:t>
+            </a:r>
+            <a:endParaRPr lang="en-IN" altLang="en-US" sz="1800"/>
+          </a:p>
+          <a:p>
+            <a:r>
+              <a:rPr lang="en-IN" altLang="en-US" sz="1800"/>
+              <a:t>This is called when an object of the class is created</a:t>
+            </a:r>
+            <a:endParaRPr lang="en-IN" altLang="en-US" sz="1800"/>
+          </a:p>
+          <a:p>
+            <a:r>
+              <a:rPr lang="en-IN" altLang="en-US" sz="1800"/>
+              <a:t>It can be used to set initial values for the object attributes</a:t>
+            </a:r>
+            <a:endParaRPr lang="en-IN" altLang="en-US" sz="1800"/>
+          </a:p>
+          <a:p>
+            <a:r>
+              <a:rPr lang="en-IN" altLang="en-US" sz="1800"/>
+              <a:t>Memory for the object is allocated in the memory at the time of calling constructor</a:t>
+            </a:r>
+            <a:endParaRPr lang="en-IN" altLang="en-US" sz="1800"/>
+          </a:p>
+          <a:p>
+            <a:r>
+              <a:rPr lang="en-IN" altLang="en-US" sz="1800"/>
+              <a:t>Java compiler will create a constructor without arguments for the class by default if class has no constructor</a:t>
+            </a:r>
+            <a:endParaRPr lang="en-IN" altLang="en-US" sz="1800"/>
+          </a:p>
+          <a:p>
+            <a:r>
+              <a:rPr lang="en-IN" altLang="en-US" sz="1800"/>
+              <a:t>Name of the constructor must be same as the class name</a:t>
+            </a:r>
+            <a:endParaRPr lang="en-IN" altLang="en-US" sz="1800"/>
+          </a:p>
+          <a:p>
+            <a:r>
+              <a:rPr lang="en-IN" altLang="en-US" sz="1800"/>
+              <a:t>Constructor can be called only once at the time of object creation</a:t>
+            </a:r>
+            <a:endParaRPr lang="en-IN" altLang="en-US" sz="1800"/>
+          </a:p>
+          <a:p>
+            <a:r>
+              <a:rPr lang="en-IN" altLang="en-US" sz="1800"/>
+              <a:t>It doesn’t have any return type</a:t>
+            </a:r>
+            <a:endParaRPr lang="en-IN" altLang="en-US" sz="1800"/>
+          </a:p>
+          <a:p>
+            <a:endParaRPr lang="en-IN" altLang="en-US" sz="1800"/>
+          </a:p>
+          <a:p>
+            <a:endParaRPr lang="en-IN" altLang="en-US" sz="1800"/>
           </a:p>
         </p:txBody>
       </p:sp>
@@ -4910,7 +5083,7 @@
           <a:p>
             <a:pPr algn="ctr"/>
             <a:r>
-              <a:rPr lang="en-IN" altLang="en-US">
+              <a:rPr lang="en-IN" altLang="en-US" sz="3200">
                 <a:ln w="22225">
                   <a:solidFill>
                     <a:schemeClr val="accent2"/>
@@ -4925,9 +5098,9 @@
                 </a:solidFill>
                 <a:effectLst/>
               </a:rPr>
-              <a:t>Array lists</a:t>
-            </a:r>
-            <a:endParaRPr lang="en-IN" altLang="en-US">
+              <a:t>Arrays</a:t>
+            </a:r>
+            <a:endParaRPr lang="en-IN" altLang="en-US" sz="3200">
               <a:ln w="22225">
                 <a:solidFill>
                   <a:schemeClr val="accent2"/>
@@ -4961,76 +5134,98 @@
           <a:p>
             <a:r>
               <a:rPr lang="en-IN" altLang="en-US" sz="2000"/>
-              <a:t>Basically ArrayList is a class which offers various methods to program</a:t>
+              <a:t>Array is an object that contains elements of similar data types</a:t>
             </a:r>
             <a:endParaRPr lang="en-IN" altLang="en-US" sz="2000"/>
           </a:p>
           <a:p>
             <a:r>
               <a:rPr lang="en-IN" altLang="en-US" sz="2000"/>
-              <a:t>To get access to these methods we have to create the object for the ArrayList class</a:t>
+              <a:t>Arrays are used to store more than one value to the variable</a:t>
             </a:r>
             <a:endParaRPr lang="en-IN" altLang="en-US" sz="2000"/>
           </a:p>
           <a:p>
             <a:r>
               <a:rPr lang="en-IN" altLang="en-US" sz="2000"/>
-              <a:t>We can dynamically create and increase the size of the array</a:t>
+              <a:t>Data types defined with [] will be considered as arrays</a:t>
             </a:r>
             <a:endParaRPr lang="en-IN" altLang="en-US" sz="2000"/>
           </a:p>
           <a:p>
-            <a:endParaRPr lang="en-IN" altLang="en-US"/>
-          </a:p>
-          <a:p>
-            <a:pPr marL="0" indent="0" algn="l">
-              <a:buClrTx/>
-              <a:buSzTx/>
-              <a:buFontTx/>
+            <a:r>
+              <a:rPr lang="en-IN" altLang="en-US" sz="2000"/>
+              <a:t>User have to define the size of the array, so that it will hold those many values in the array. In essence the size of the array is static.</a:t>
+            </a:r>
+            <a:endParaRPr lang="en-IN" altLang="en-US" sz="2000"/>
+          </a:p>
+          <a:p>
+            <a:r>
+              <a:rPr lang="en-IN" altLang="en-US" sz="2000"/>
+              <a:t>Once the size is defined, array will hold the storage as per the defined size even if the values are not</a:t>
+            </a:r>
+            <a:endParaRPr lang="en-IN" altLang="en-US" sz="2000"/>
+          </a:p>
+          <a:p>
+            <a:r>
+              <a:rPr lang="en-IN" altLang="en-US" sz="2000"/>
+              <a:t>While storing the values to array, array index starts with 0.</a:t>
+            </a:r>
+            <a:endParaRPr lang="en-IN" altLang="en-US" sz="2000"/>
+          </a:p>
+          <a:p>
+            <a:pPr marL="0" indent="0">
               <a:buNone/>
             </a:pPr>
             <a:r>
               <a:rPr lang="en-IN" altLang="en-US" sz="2000"/>
-              <a:t>Eg: </a:t>
+              <a:t>Eg:</a:t>
             </a:r>
             <a:endParaRPr lang="en-IN" altLang="en-US" sz="2000"/>
           </a:p>
           <a:p>
-            <a:pPr marL="0" indent="0" algn="l">
-              <a:buClrTx/>
-              <a:buSzTx/>
-              <a:buFontTx/>
+            <a:pPr marL="0" indent="0">
               <a:buNone/>
             </a:pPr>
             <a:r>
               <a:rPr lang="en-IN" altLang="en-US" sz="2000"/>
-              <a:t>ArrayList&lt;String&gt; a=new ArrayList&lt;String&gt;();</a:t>
+              <a:t>int[] i={1,2,3,4,5}</a:t>
             </a:r>
             <a:endParaRPr lang="en-IN" altLang="en-US" sz="2000"/>
           </a:p>
           <a:p>
-            <a:pPr marL="0" indent="0" algn="l">
-              <a:buClrTx/>
-              <a:buSzTx/>
-              <a:buFontTx/>
+            <a:pPr marL="0" indent="0">
               <a:buNone/>
             </a:pPr>
+            <a:endParaRPr lang="en-IN" altLang="en-US" sz="2000"/>
+          </a:p>
+          <a:p>
+            <a:pPr marL="0" indent="0">
+              <a:buNone/>
+            </a:pPr>
             <a:r>
               <a:rPr lang="en-IN" altLang="en-US" sz="2000"/>
-              <a:t>a.add(“string”);</a:t>
+              <a:t>int a[]=new int[2]</a:t>
             </a:r>
             <a:endParaRPr lang="en-IN" altLang="en-US" sz="2000"/>
           </a:p>
           <a:p>
-            <a:pPr marL="0" indent="0" algn="l">
-              <a:buClrTx/>
-              <a:buSzTx/>
-              <a:buFontTx/>
+            <a:pPr marL="0" indent="0">
               <a:buNone/>
             </a:pPr>
             <a:r>
               <a:rPr lang="en-IN" altLang="en-US" sz="2000"/>
-              <a:t>a.remove(&lt;index&gt;);</a:t>
+              <a:t>a[0]=1</a:t>
+            </a:r>
+            <a:endParaRPr lang="en-IN" altLang="en-US" sz="2000"/>
+          </a:p>
+          <a:p>
+            <a:pPr marL="0" indent="0">
+              <a:buNone/>
+            </a:pPr>
+            <a:r>
+              <a:rPr lang="en-IN" altLang="en-US" sz="2000"/>
+              <a:t>a[1]=2</a:t>
             </a:r>
             <a:endParaRPr lang="en-IN" altLang="en-US" sz="2000"/>
           </a:p>
@@ -5085,7 +5280,7 @@
                 </a:solidFill>
                 <a:effectLst/>
               </a:rPr>
-              <a:t>Loops and Conditions</a:t>
+              <a:t>Array lists</a:t>
             </a:r>
             <a:endParaRPr lang="en-IN" altLang="en-US">
               <a:ln w="22225">
@@ -5115,128 +5310,84 @@
             <p:ph idx="1"/>
           </p:nvPr>
         </p:nvSpPr>
-        <p:spPr>
-          <a:xfrm>
-            <a:off x="609600" y="1174750"/>
-            <a:ext cx="10972800" cy="5208905"/>
-          </a:xfrm>
-        </p:spPr>
+        <p:spPr/>
         <p:txBody>
           <a:bodyPr/>
           <a:p>
             <a:r>
               <a:rPr lang="en-IN" altLang="en-US" sz="2000"/>
-              <a:t>Loops are used when we have to execute certain set of instructions in repeated mode, based on certain conditions</a:t>
+              <a:t>Basically ArrayList is a class which offers various methods to program</a:t>
             </a:r>
             <a:endParaRPr lang="en-IN" altLang="en-US" sz="2000"/>
           </a:p>
           <a:p>
             <a:r>
               <a:rPr lang="en-IN" altLang="en-US" sz="2000"/>
-              <a:t>This helps us to avoid the repeatation of same lines of code for the number of times, it has to be repeated</a:t>
+              <a:t>To get access to these methods we have to create the object for the ArrayList class</a:t>
             </a:r>
             <a:endParaRPr lang="en-IN" altLang="en-US" sz="2000"/>
           </a:p>
           <a:p>
+            <a:r>
+              <a:rPr lang="en-IN" altLang="en-US" sz="2000"/>
+              <a:t>We can dynamically create and increase the size of the array</a:t>
+            </a:r>
             <a:endParaRPr lang="en-IN" altLang="en-US" sz="2000"/>
           </a:p>
           <a:p>
-            <a:pPr marL="0" indent="0">
+            <a:endParaRPr lang="en-IN" altLang="en-US"/>
+          </a:p>
+          <a:p>
+            <a:pPr marL="0" indent="0" algn="l">
+              <a:buClrTx/>
+              <a:buSzTx/>
+              <a:buFontTx/>
               <a:buNone/>
             </a:pPr>
             <a:r>
-              <a:rPr lang="en-IN" altLang="en-US" sz="2000" b="1" i="1"/>
-              <a:t>Major loops used in selenium</a:t>
-            </a:r>
-            <a:endParaRPr lang="en-IN" altLang="en-US" sz="2000" b="1" i="1"/>
-          </a:p>
-          <a:p>
-            <a:pPr marL="0" indent="0">
+              <a:rPr lang="en-IN" altLang="en-US" sz="2000"/>
+              <a:t>Eg: </a:t>
+            </a:r>
+            <a:endParaRPr lang="en-IN" altLang="en-US" sz="2000"/>
+          </a:p>
+          <a:p>
+            <a:pPr marL="0" indent="0" algn="l">
+              <a:buClrTx/>
+              <a:buSzTx/>
+              <a:buFontTx/>
               <a:buNone/>
             </a:pPr>
+            <a:r>
+              <a:rPr lang="en-IN" altLang="en-US" sz="2000"/>
+              <a:t>ArrayList&lt;String&gt; a=new ArrayList&lt;String&gt;();</a:t>
+            </a:r>
             <a:endParaRPr lang="en-IN" altLang="en-US" sz="2000"/>
           </a:p>
           <a:p>
-            <a:pPr marL="0" indent="0">
+            <a:pPr marL="0" indent="0" algn="l">
+              <a:buClrTx/>
+              <a:buSzTx/>
+              <a:buFontTx/>
               <a:buNone/>
             </a:pPr>
             <a:r>
-              <a:rPr lang="en-IN" altLang="en-US" sz="2000" b="1"/>
-              <a:t>If loop</a:t>
-            </a:r>
-            <a:endParaRPr lang="en-IN" altLang="en-US" sz="2000" b="1"/>
-          </a:p>
-          <a:p>
-            <a:pPr marL="0" indent="0">
+              <a:rPr lang="en-IN" altLang="en-US" sz="2000"/>
+              <a:t>a.add(“string”);</a:t>
+            </a:r>
+            <a:endParaRPr lang="en-IN" altLang="en-US" sz="2000"/>
+          </a:p>
+          <a:p>
+            <a:pPr marL="0" indent="0" algn="l">
+              <a:buClrTx/>
+              <a:buSzTx/>
+              <a:buFontTx/>
               <a:buNone/>
             </a:pPr>
-            <a:endParaRPr lang="en-IN" altLang="en-US" sz="1800" i="1"/>
-          </a:p>
-          <a:p>
-            <a:pPr marL="0" indent="0">
-              <a:buNone/>
-            </a:pPr>
-            <a:r>
-              <a:rPr lang="en-IN" altLang="en-US" sz="1800" i="1"/>
-              <a:t>if(&lt;condition&gt;){</a:t>
-            </a:r>
-            <a:endParaRPr lang="en-IN" altLang="en-US" sz="1800" i="1"/>
-          </a:p>
-          <a:p>
-            <a:pPr marL="0" indent="0">
-              <a:buNone/>
-            </a:pPr>
-            <a:r>
-              <a:rPr lang="en-IN" altLang="en-US" sz="1800" i="1"/>
-              <a:t>	</a:t>
-            </a:r>
-            <a:r>
-              <a:rPr lang="en-IN" altLang="en-US" sz="1800" i="1">
-                <a:sym typeface="+mn-ea"/>
-              </a:rPr>
-              <a:t>&lt;code to be executed&gt;</a:t>
-            </a:r>
-            <a:endParaRPr lang="en-IN" altLang="en-US" sz="1800" i="1">
-              <a:sym typeface="+mn-ea"/>
-            </a:endParaRPr>
-          </a:p>
-          <a:p>
-            <a:pPr marL="0" indent="0">
-              <a:buNone/>
-            </a:pPr>
-            <a:r>
-              <a:rPr lang="en-IN" altLang="en-US" sz="1800" i="1"/>
-              <a:t>}else{</a:t>
-            </a:r>
-            <a:endParaRPr lang="en-IN" altLang="en-US" sz="1800" i="1"/>
-          </a:p>
-          <a:p>
-            <a:pPr marL="0" indent="0">
-              <a:buNone/>
-            </a:pPr>
-            <a:r>
-              <a:rPr lang="en-IN" altLang="en-US" sz="1800" i="1"/>
-              <a:t>	</a:t>
-            </a:r>
-            <a:r>
-              <a:rPr lang="en-IN" altLang="en-US" sz="1800" i="1">
-                <a:sym typeface="+mn-ea"/>
-              </a:rPr>
-              <a:t>&lt;code to be executed&gt;</a:t>
-            </a:r>
-            <a:endParaRPr lang="en-IN" altLang="en-US" sz="1800" i="1">
-              <a:sym typeface="+mn-ea"/>
-            </a:endParaRPr>
-          </a:p>
-          <a:p>
-            <a:pPr marL="0" indent="0">
-              <a:buNone/>
-            </a:pPr>
-            <a:r>
-              <a:rPr lang="en-IN" altLang="en-US" sz="1800" i="1"/>
-              <a:t>}</a:t>
-            </a:r>
-            <a:endParaRPr lang="en-IN" altLang="en-US" sz="1800" i="1"/>
+            <a:r>
+              <a:rPr lang="en-IN" altLang="en-US" sz="2000"/>
+              <a:t>a.remove(&lt;index&gt;);</a:t>
+            </a:r>
+            <a:endParaRPr lang="en-IN" altLang="en-US" sz="2000"/>
           </a:p>
         </p:txBody>
       </p:sp>
@@ -5260,182 +5411,187 @@
       <p:grpSpPr/>
       <p:sp>
         <p:nvSpPr>
-          <p:cNvPr id="5" name="Text Box 4"/>
-          <p:cNvSpPr txBox="1"/>
-          <p:nvPr/>
+          <p:cNvPr id="2" name="Title 1"/>
+          <p:cNvSpPr>
+            <a:spLocks noGrp="1"/>
+          </p:cNvSpPr>
+          <p:nvPr>
+            <p:ph type="title"/>
+          </p:nvPr>
+        </p:nvSpPr>
+        <p:spPr/>
+        <p:txBody>
+          <a:bodyPr/>
+          <a:p>
+            <a:pPr algn="ctr"/>
+            <a:r>
+              <a:rPr lang="en-IN" altLang="en-US">
+                <a:ln w="22225">
+                  <a:solidFill>
+                    <a:schemeClr val="accent2"/>
+                  </a:solidFill>
+                  <a:prstDash val="solid"/>
+                </a:ln>
+                <a:solidFill>
+                  <a:schemeClr val="accent2">
+                    <a:lumMod val="40000"/>
+                    <a:lumOff val="60000"/>
+                  </a:schemeClr>
+                </a:solidFill>
+                <a:effectLst/>
+              </a:rPr>
+              <a:t>Loops and Conditions</a:t>
+            </a:r>
+            <a:endParaRPr lang="en-IN" altLang="en-US">
+              <a:ln w="22225">
+                <a:solidFill>
+                  <a:schemeClr val="accent2"/>
+                </a:solidFill>
+                <a:prstDash val="solid"/>
+              </a:ln>
+              <a:solidFill>
+                <a:schemeClr val="accent2">
+                  <a:lumMod val="40000"/>
+                  <a:lumOff val="60000"/>
+                </a:schemeClr>
+              </a:solidFill>
+              <a:effectLst/>
+            </a:endParaRPr>
+          </a:p>
+        </p:txBody>
+      </p:sp>
+      <p:sp>
+        <p:nvSpPr>
+          <p:cNvPr id="3" name="Content Placeholder 2"/>
+          <p:cNvSpPr>
+            <a:spLocks noGrp="1"/>
+          </p:cNvSpPr>
+          <p:nvPr>
+            <p:ph idx="1"/>
+          </p:nvPr>
         </p:nvSpPr>
         <p:spPr>
           <a:xfrm>
-            <a:off x="1068070" y="1007110"/>
-            <a:ext cx="10056495" cy="4246245"/>
+            <a:off x="609600" y="1174750"/>
+            <a:ext cx="10972800" cy="5208905"/>
           </a:xfrm>
-          <a:prstGeom prst="rect">
-            <a:avLst/>
-          </a:prstGeom>
-          <a:noFill/>
         </p:spPr>
         <p:txBody>
-          <a:bodyPr wrap="square" rtlCol="0">
-            <a:spAutoFit/>
-          </a:bodyPr>
-          <a:p>
-            <a:pPr marL="285750" indent="-285750">
-              <a:buFont typeface="Arial" panose="020B0604020202020204" pitchFamily="34" charset="0"/>
-              <a:buChar char="•"/>
+          <a:bodyPr/>
+          <a:p>
+            <a:r>
+              <a:rPr lang="en-IN" altLang="en-US" sz="2000"/>
+              <a:t>Loops are used when we have to execute certain set of instructions in repeated mode, based on certain conditions</a:t>
+            </a:r>
+            <a:endParaRPr lang="en-IN" altLang="en-US" sz="2000"/>
+          </a:p>
+          <a:p>
+            <a:r>
+              <a:rPr lang="en-IN" altLang="en-US" sz="2000"/>
+              <a:t>This helps us to avoid the repeatation of same lines of code for the number of times, it has to be repeated</a:t>
+            </a:r>
+            <a:endParaRPr lang="en-IN" altLang="en-US" sz="2000"/>
+          </a:p>
+          <a:p>
+            <a:endParaRPr lang="en-IN" altLang="en-US" sz="2000"/>
+          </a:p>
+          <a:p>
+            <a:pPr marL="0" indent="0">
+              <a:buNone/>
             </a:pPr>
             <a:r>
-              <a:rPr lang="en-IN" altLang="en-US" b="1"/>
-              <a:t>while loop</a:t>
-            </a:r>
-            <a:endParaRPr lang="en-IN" altLang="en-US" b="1"/>
-          </a:p>
-          <a:p>
-            <a:pPr indent="0">
-              <a:buFont typeface="Arial" panose="020B0604020202020204" pitchFamily="34" charset="0"/>
+              <a:rPr lang="en-IN" altLang="en-US" sz="2000" b="1" i="1"/>
+              <a:t>Major loops used in selenium</a:t>
+            </a:r>
+            <a:endParaRPr lang="en-IN" altLang="en-US" sz="2000" b="1" i="1"/>
+          </a:p>
+          <a:p>
+            <a:pPr marL="0" indent="0">
               <a:buNone/>
             </a:pPr>
-            <a:r>
-              <a:rPr lang="en-IN" altLang="en-US" i="1"/>
-              <a:t>while (&lt;condition&gt;{</a:t>
-            </a:r>
-            <a:endParaRPr lang="en-IN" altLang="en-US" i="1"/>
-          </a:p>
-          <a:p>
-            <a:pPr indent="0">
-              <a:buFont typeface="Arial" panose="020B0604020202020204" pitchFamily="34" charset="0"/>
+            <a:endParaRPr lang="en-IN" altLang="en-US" sz="2000"/>
+          </a:p>
+          <a:p>
+            <a:pPr marL="0" indent="0">
               <a:buNone/>
             </a:pPr>
             <a:r>
-              <a:rPr lang="en-IN" altLang="en-US" i="1"/>
+              <a:rPr lang="en-IN" altLang="en-US" sz="2000" b="1"/>
+              <a:t>If loop</a:t>
+            </a:r>
+            <a:endParaRPr lang="en-IN" altLang="en-US" sz="2000" b="1"/>
+          </a:p>
+          <a:p>
+            <a:pPr marL="0" indent="0">
+              <a:buNone/>
+            </a:pPr>
+            <a:endParaRPr lang="en-IN" altLang="en-US" sz="1800" i="1"/>
+          </a:p>
+          <a:p>
+            <a:pPr marL="0" indent="0">
+              <a:buNone/>
+            </a:pPr>
+            <a:r>
+              <a:rPr lang="en-IN" altLang="en-US" sz="1800" i="1"/>
+              <a:t>if(&lt;condition&gt;){</a:t>
+            </a:r>
+            <a:endParaRPr lang="en-IN" altLang="en-US" sz="1800" i="1"/>
+          </a:p>
+          <a:p>
+            <a:pPr marL="0" indent="0">
+              <a:buNone/>
+            </a:pPr>
+            <a:r>
+              <a:rPr lang="en-IN" altLang="en-US" sz="1800" i="1"/>
               <a:t>	</a:t>
             </a:r>
             <a:r>
-              <a:rPr lang="en-IN" altLang="en-US" i="1">
+              <a:rPr lang="en-IN" altLang="en-US" sz="1800" i="1">
                 <a:sym typeface="+mn-ea"/>
               </a:rPr>
               <a:t>&lt;code to be executed&gt;</a:t>
             </a:r>
-            <a:r>
-              <a:rPr lang="en-IN" altLang="en-US" i="1"/>
+            <a:endParaRPr lang="en-IN" altLang="en-US" sz="1800" i="1">
+              <a:sym typeface="+mn-ea"/>
+            </a:endParaRPr>
+          </a:p>
+          <a:p>
+            <a:pPr marL="0" indent="0">
+              <a:buNone/>
+            </a:pPr>
+            <a:r>
+              <a:rPr lang="en-IN" altLang="en-US" sz="1800" i="1"/>
+              <a:t>}else{</a:t>
+            </a:r>
+            <a:endParaRPr lang="en-IN" altLang="en-US" sz="1800" i="1"/>
+          </a:p>
+          <a:p>
+            <a:pPr marL="0" indent="0">
+              <a:buNone/>
+            </a:pPr>
+            <a:r>
+              <a:rPr lang="en-IN" altLang="en-US" sz="1800" i="1"/>
+              <a:t>	</a:t>
+            </a:r>
+            <a:r>
+              <a:rPr lang="en-IN" altLang="en-US" sz="1800" i="1">
+                <a:sym typeface="+mn-ea"/>
+              </a:rPr>
+              <a:t>&lt;code to be executed&gt;</a:t>
+            </a:r>
+            <a:endParaRPr lang="en-IN" altLang="en-US" sz="1800" i="1">
+              <a:sym typeface="+mn-ea"/>
+            </a:endParaRPr>
+          </a:p>
+          <a:p>
+            <a:pPr marL="0" indent="0">
+              <a:buNone/>
+            </a:pPr>
+            <a:r>
+              <a:rPr lang="en-IN" altLang="en-US" sz="1800" i="1"/>
               <a:t>}</a:t>
             </a:r>
-            <a:endParaRPr lang="en-IN" altLang="en-US" i="1"/>
-          </a:p>
-          <a:p>
-            <a:pPr indent="0">
-              <a:buFont typeface="Arial" panose="020B0604020202020204" pitchFamily="34" charset="0"/>
-              <a:buNone/>
-            </a:pPr>
-            <a:endParaRPr lang="en-IN" altLang="en-US" i="1"/>
-          </a:p>
-          <a:p>
-            <a:pPr indent="0">
-              <a:buFont typeface="Arial" panose="020B0604020202020204" pitchFamily="34" charset="0"/>
-              <a:buNone/>
-            </a:pPr>
-            <a:r>
-              <a:rPr lang="en-IN" altLang="en-US" i="1"/>
-              <a:t>do{</a:t>
-            </a:r>
-            <a:endParaRPr lang="en-IN" altLang="en-US" i="1"/>
-          </a:p>
-          <a:p>
-            <a:pPr indent="0">
-              <a:buFont typeface="Arial" panose="020B0604020202020204" pitchFamily="34" charset="0"/>
-              <a:buNone/>
-            </a:pPr>
-            <a:r>
-              <a:rPr lang="en-IN" altLang="en-US" i="1"/>
-              <a:t>	&lt;code to be executed&gt;</a:t>
-            </a:r>
-            <a:endParaRPr lang="en-IN" altLang="en-US" i="1"/>
-          </a:p>
-          <a:p>
-            <a:pPr indent="0">
-              <a:buFont typeface="Arial" panose="020B0604020202020204" pitchFamily="34" charset="0"/>
-              <a:buNone/>
-            </a:pPr>
-            <a:r>
-              <a:rPr lang="en-IN" altLang="en-US" i="1"/>
-              <a:t>}</a:t>
-            </a:r>
-            <a:endParaRPr lang="en-IN" altLang="en-US" i="1"/>
-          </a:p>
-          <a:p>
-            <a:pPr indent="0">
-              <a:buFont typeface="Arial" panose="020B0604020202020204" pitchFamily="34" charset="0"/>
-              <a:buNone/>
-            </a:pPr>
-            <a:r>
-              <a:rPr lang="en-IN" altLang="en-US" i="1"/>
-              <a:t>while(&lt;condition&gt;);</a:t>
-            </a:r>
-            <a:endParaRPr lang="en-IN" altLang="en-US" i="1"/>
-          </a:p>
-          <a:p>
-            <a:pPr indent="0">
-              <a:buFont typeface="Arial" panose="020B0604020202020204" pitchFamily="34" charset="0"/>
-              <a:buNone/>
-            </a:pPr>
-            <a:endParaRPr lang="en-IN" altLang="en-US"/>
-          </a:p>
-          <a:p>
-            <a:pPr marL="285750" indent="-285750">
-              <a:buFont typeface="Arial" panose="020B0604020202020204" pitchFamily="34" charset="0"/>
-              <a:buChar char="•"/>
-            </a:pPr>
-            <a:r>
-              <a:rPr lang="en-IN" altLang="en-US" b="1"/>
-              <a:t>for loop</a:t>
-            </a:r>
-            <a:endParaRPr lang="en-IN" altLang="en-US" b="1"/>
-          </a:p>
-          <a:p>
-            <a:pPr indent="0">
-              <a:buFont typeface="Arial" panose="020B0604020202020204" pitchFamily="34" charset="0"/>
-              <a:buNone/>
-            </a:pPr>
-            <a:r>
-              <a:rPr lang="en-IN" altLang="en-US" i="1"/>
-              <a:t>for (&lt;condtion&gt;){</a:t>
-            </a:r>
-            <a:endParaRPr lang="en-IN" altLang="en-US" i="1"/>
-          </a:p>
-          <a:p>
-            <a:pPr indent="0">
-              <a:buFont typeface="Arial" panose="020B0604020202020204" pitchFamily="34" charset="0"/>
-              <a:buNone/>
-            </a:pPr>
-            <a:r>
-              <a:rPr lang="en-IN" altLang="en-US" i="1"/>
-              <a:t>	&lt;code to be executed&gt;</a:t>
-            </a:r>
-            <a:endParaRPr lang="en-IN" altLang="en-US" i="1"/>
-          </a:p>
-          <a:p>
-            <a:pPr indent="0">
-              <a:buFont typeface="Arial" panose="020B0604020202020204" pitchFamily="34" charset="0"/>
-              <a:buNone/>
-            </a:pPr>
-            <a:r>
-              <a:rPr lang="en-IN" altLang="en-US" i="1"/>
-              <a:t>}</a:t>
-            </a:r>
-            <a:endParaRPr lang="en-IN" altLang="en-US" i="1"/>
-          </a:p>
-          <a:p>
-            <a:pPr indent="0">
-              <a:buFont typeface="Arial" panose="020B0604020202020204" pitchFamily="34" charset="0"/>
-              <a:buNone/>
-            </a:pPr>
-            <a:endParaRPr lang="en-IN" altLang="en-US" i="1"/>
-          </a:p>
-          <a:p>
-            <a:pPr indent="0">
-              <a:buFont typeface="Arial" panose="020B0604020202020204" pitchFamily="34" charset="0"/>
-              <a:buNone/>
-            </a:pPr>
-            <a:endParaRPr lang="en-IN" altLang="en-US"/>
+            <a:endParaRPr lang="en-IN" altLang="en-US" sz="1800" i="1"/>
           </a:p>
         </p:txBody>
       </p:sp>

--- a/Java_Basics.pptx
+++ b/Java_Basics.pptx
@@ -19,6 +19,7 @@
     <p:sldId id="260" r:id="rId12"/>
     <p:sldId id="261" r:id="rId13"/>
     <p:sldId id="262" r:id="rId14"/>
+    <p:sldId id="283" r:id="rId15"/>
   </p:sldIdLst>
   <p:sldSz cx="12192000" cy="6858000"/>
   <p:notesSz cx="6858000" cy="9144000"/>
@@ -3818,7 +3819,7 @@
         </p:nvSpPr>
         <p:spPr>
           <a:xfrm>
-            <a:off x="1068070" y="1007110"/>
+            <a:off x="1067435" y="1022350"/>
             <a:ext cx="10056495" cy="4246245"/>
           </a:xfrm>
           <a:prstGeom prst="rect">
@@ -4175,6 +4176,171 @@
 </p:sld>
 </file>
 
+<file path=ppt/slides/slide12.xml><?xml version="1.0" encoding="utf-8"?>
+<p:sld xmlns:a="http://schemas.openxmlformats.org/drawingml/2006/main" xmlns:r="http://schemas.openxmlformats.org/officeDocument/2006/relationships" xmlns:p="http://schemas.openxmlformats.org/presentationml/2006/main">
+  <p:cSld>
+    <p:spTree>
+      <p:nvGrpSpPr>
+        <p:cNvPr id="1" name=""/>
+        <p:cNvGrpSpPr/>
+        <p:nvPr/>
+      </p:nvGrpSpPr>
+      <p:grpSpPr/>
+      <p:sp>
+        <p:nvSpPr>
+          <p:cNvPr id="2" name="Title 1"/>
+          <p:cNvSpPr>
+            <a:spLocks noGrp="1"/>
+          </p:cNvSpPr>
+          <p:nvPr>
+            <p:ph type="title"/>
+          </p:nvPr>
+        </p:nvSpPr>
+        <p:spPr/>
+        <p:txBody>
+          <a:bodyPr/>
+          <a:p>
+            <a:pPr algn="ctr"/>
+            <a:r>
+              <a:rPr lang="en-IN" altLang="en-US">
+                <a:ln w="22225">
+                  <a:solidFill>
+                    <a:schemeClr val="accent2"/>
+                  </a:solidFill>
+                  <a:prstDash val="solid"/>
+                </a:ln>
+                <a:solidFill>
+                  <a:schemeClr val="accent2">
+                    <a:lumMod val="40000"/>
+                    <a:lumOff val="60000"/>
+                  </a:schemeClr>
+                </a:solidFill>
+                <a:effectLst/>
+              </a:rPr>
+              <a:t>String Class</a:t>
+            </a:r>
+            <a:endParaRPr lang="en-IN" altLang="en-US">
+              <a:ln w="22225">
+                <a:solidFill>
+                  <a:schemeClr val="accent2"/>
+                </a:solidFill>
+                <a:prstDash val="solid"/>
+              </a:ln>
+              <a:solidFill>
+                <a:schemeClr val="accent2">
+                  <a:lumMod val="40000"/>
+                  <a:lumOff val="60000"/>
+                </a:schemeClr>
+              </a:solidFill>
+              <a:effectLst/>
+            </a:endParaRPr>
+          </a:p>
+        </p:txBody>
+      </p:sp>
+      <p:sp>
+        <p:nvSpPr>
+          <p:cNvPr id="3" name="Content Placeholder 2"/>
+          <p:cNvSpPr>
+            <a:spLocks noGrp="1"/>
+          </p:cNvSpPr>
+          <p:nvPr>
+            <p:ph idx="1"/>
+          </p:nvPr>
+        </p:nvSpPr>
+        <p:spPr/>
+        <p:txBody>
+          <a:bodyPr/>
+          <a:p>
+            <a:r>
+              <a:rPr lang="en-IN" altLang="en-US" sz="1800"/>
+              <a:t>Java string is an object that represents sequence of characters</a:t>
+            </a:r>
+            <a:endParaRPr lang="en-IN" altLang="en-US" sz="1800"/>
+          </a:p>
+          <a:p>
+            <a:r>
+              <a:rPr lang="en-IN" altLang="en-US" sz="1800"/>
+              <a:t>String class has many methods to perform on string such as compare(), concat(), equals(),split(), length(), replace(),compareTo(),substring() etc</a:t>
+            </a:r>
+            <a:endParaRPr lang="en-IN" altLang="en-US" sz="1800"/>
+          </a:p>
+          <a:p>
+            <a:r>
+              <a:rPr lang="en-IN" altLang="en-US" sz="1800"/>
+              <a:t>We can get access to these methods by creating object of this class</a:t>
+            </a:r>
+            <a:endParaRPr lang="en-IN" altLang="en-US" sz="1800"/>
+          </a:p>
+          <a:p>
+            <a:r>
+              <a:rPr lang="en-IN" altLang="en-US" sz="1800"/>
+              <a:t>Variables created for the string datatype will also get access to these methods.</a:t>
+            </a:r>
+            <a:endParaRPr lang="en-IN" altLang="en-US" sz="1800"/>
+          </a:p>
+          <a:p>
+            <a:endParaRPr lang="en-IN" altLang="en-US" sz="1800"/>
+          </a:p>
+          <a:p>
+            <a:pPr marL="0" indent="0">
+              <a:buNone/>
+            </a:pPr>
+            <a:r>
+              <a:rPr lang="en-IN" altLang="en-US" sz="1800"/>
+              <a:t>Eg:</a:t>
+            </a:r>
+            <a:endParaRPr lang="en-IN" altLang="en-US" sz="1800"/>
+          </a:p>
+          <a:p>
+            <a:pPr marL="0" indent="0">
+              <a:buNone/>
+            </a:pPr>
+            <a:r>
+              <a:rPr lang="en-IN" altLang="en-US" sz="1800"/>
+              <a:t>s.equalsIgnoreCase(s1)</a:t>
+            </a:r>
+            <a:endParaRPr lang="en-IN" altLang="en-US" sz="1800"/>
+          </a:p>
+          <a:p>
+            <a:pPr marL="0" indent="0">
+              <a:buNone/>
+            </a:pPr>
+            <a:r>
+              <a:rPr lang="en-IN" altLang="en-US" sz="1800"/>
+              <a:t>s1.concat(s2)</a:t>
+            </a:r>
+            <a:endParaRPr lang="en-IN" altLang="en-US" sz="1800"/>
+          </a:p>
+          <a:p>
+            <a:pPr marL="0" indent="0">
+              <a:buNone/>
+            </a:pPr>
+            <a:r>
+              <a:rPr lang="en-IN" altLang="en-US" sz="1800"/>
+              <a:t>s3.substring(5)</a:t>
+            </a:r>
+            <a:endParaRPr lang="en-IN" altLang="en-US" sz="1800"/>
+          </a:p>
+          <a:p>
+            <a:pPr marL="0" indent="0">
+              <a:buNone/>
+            </a:pPr>
+            <a:r>
+              <a:rPr lang="en-IN" altLang="en-US" sz="1800"/>
+              <a:t>s3.substring(5,12)</a:t>
+            </a:r>
+            <a:endParaRPr lang="en-IN" altLang="en-US" sz="1800"/>
+          </a:p>
+        </p:txBody>
+      </p:sp>
+    </p:spTree>
+  </p:cSld>
+  <p:clrMapOvr>
+    <a:masterClrMapping/>
+  </p:clrMapOvr>
+</p:sld>
+</file>
+
 <file path=ppt/slides/slide2.xml><?xml version="1.0" encoding="utf-8"?>
 <p:sld xmlns:a="http://schemas.openxmlformats.org/drawingml/2006/main" xmlns:r="http://schemas.openxmlformats.org/officeDocument/2006/relationships" xmlns:p="http://schemas.openxmlformats.org/presentationml/2006/main">
   <p:cSld>
@@ -5316,7 +5482,7 @@
           <a:p>
             <a:r>
               <a:rPr lang="en-IN" altLang="en-US" sz="2000"/>
-              <a:t>Basically ArrayList is a class which offers various methods to program</a:t>
+              <a:t>Its a dynamic array for storing elements without any size limit</a:t>
             </a:r>
             <a:endParaRPr lang="en-IN" altLang="en-US" sz="2000"/>
           </a:p>
@@ -5330,11 +5496,28 @@
           <a:p>
             <a:r>
               <a:rPr lang="en-IN" altLang="en-US" sz="2000"/>
-              <a:t>We can dynamically create and increase the size of the array</a:t>
+              <a:t>We cannot create an array list with premitive data type such as int, char, float etc. We should use the required wrapper class to create array list</a:t>
             </a:r>
             <a:endParaRPr lang="en-IN" altLang="en-US" sz="2000"/>
           </a:p>
           <a:p>
+            <a:r>
+              <a:rPr lang="en-IN" altLang="en-US" sz="2000"/>
+              <a:t>As arrays this also can be randomly accessed since it uses indexes</a:t>
+            </a:r>
+            <a:endParaRPr lang="en-IN" altLang="en-US" sz="2000"/>
+          </a:p>
+          <a:p>
+            <a:r>
+              <a:rPr lang="en-IN" altLang="en-US" sz="2000"/>
+              <a:t>We can use to store heterogenius data</a:t>
+            </a:r>
+            <a:endParaRPr lang="en-IN" altLang="en-US" sz="2000"/>
+          </a:p>
+          <a:p>
+            <a:pPr marL="0" indent="0">
+              <a:buNone/>
+            </a:pPr>
             <a:endParaRPr lang="en-IN" altLang="en-US"/>
           </a:p>
           <a:p>
